--- a/ML/ParitoshData/Regression.pptx
+++ b/ML/ParitoshData/Regression.pptx
@@ -4,6 +4,9 @@
   <p:sldMasterIdLst>
     <p:sldMasterId id="2147483648" r:id="rId1"/>
   </p:sldMasterIdLst>
+  <p:notesMasterIdLst>
+    <p:notesMasterId r:id="rId38"/>
+  </p:notesMasterIdLst>
   <p:sldIdLst>
     <p:sldId id="258" r:id="rId2"/>
     <p:sldId id="259" r:id="rId3"/>
@@ -23,6 +26,24 @@
     <p:sldId id="273" r:id="rId17"/>
     <p:sldId id="274" r:id="rId18"/>
     <p:sldId id="275" r:id="rId19"/>
+    <p:sldId id="276" r:id="rId20"/>
+    <p:sldId id="277" r:id="rId21"/>
+    <p:sldId id="278" r:id="rId22"/>
+    <p:sldId id="279" r:id="rId23"/>
+    <p:sldId id="280" r:id="rId24"/>
+    <p:sldId id="281" r:id="rId25"/>
+    <p:sldId id="282" r:id="rId26"/>
+    <p:sldId id="283" r:id="rId27"/>
+    <p:sldId id="284" r:id="rId28"/>
+    <p:sldId id="285" r:id="rId29"/>
+    <p:sldId id="286" r:id="rId30"/>
+    <p:sldId id="287" r:id="rId31"/>
+    <p:sldId id="288" r:id="rId32"/>
+    <p:sldId id="289" r:id="rId33"/>
+    <p:sldId id="290" r:id="rId34"/>
+    <p:sldId id="291" r:id="rId35"/>
+    <p:sldId id="292" r:id="rId36"/>
+    <p:sldId id="293" r:id="rId37"/>
   </p:sldIdLst>
   <p:sldSz cx="9144000" cy="6858000" type="screen4x3"/>
   <p:notesSz cx="6858000" cy="9144000"/>
@@ -124,6 +145,434 @@
 </p:presentation>
 </file>
 
+<file path=ppt/notesMasters/notesMaster1.xml><?xml version="1.0" encoding="utf-8"?>
+<p:notesMaster xmlns:a="http://schemas.openxmlformats.org/drawingml/2006/main" xmlns:r="http://schemas.openxmlformats.org/officeDocument/2006/relationships" xmlns:p="http://schemas.openxmlformats.org/presentationml/2006/main">
+  <p:cSld>
+    <p:bg>
+      <p:bgRef idx="1001">
+        <a:schemeClr val="bg1"/>
+      </p:bgRef>
+    </p:bg>
+    <p:spTree>
+      <p:nvGrpSpPr>
+        <p:cNvPr id="1" name=""/>
+        <p:cNvGrpSpPr/>
+        <p:nvPr/>
+      </p:nvGrpSpPr>
+      <p:grpSpPr>
+        <a:xfrm>
+          <a:off x="0" y="0"/>
+          <a:ext cx="0" cy="0"/>
+          <a:chOff x="0" y="0"/>
+          <a:chExt cx="0" cy="0"/>
+        </a:xfrm>
+      </p:grpSpPr>
+      <p:sp>
+        <p:nvSpPr>
+          <p:cNvPr id="2" name="Header Placeholder 1"/>
+          <p:cNvSpPr>
+            <a:spLocks noGrp="1"/>
+          </p:cNvSpPr>
+          <p:nvPr>
+            <p:ph type="hdr" sz="quarter"/>
+          </p:nvPr>
+        </p:nvSpPr>
+        <p:spPr>
+          <a:xfrm>
+            <a:off x="0" y="0"/>
+            <a:ext cx="2971800" cy="457200"/>
+          </a:xfrm>
+          <a:prstGeom prst="rect">
+            <a:avLst/>
+          </a:prstGeom>
+        </p:spPr>
+        <p:txBody>
+          <a:bodyPr vert="horz" lIns="91440" tIns="45720" rIns="91440" bIns="45720" rtlCol="0"/>
+          <a:lstStyle>
+            <a:lvl1pPr algn="l">
+              <a:defRPr sz="1200"/>
+            </a:lvl1pPr>
+          </a:lstStyle>
+          <a:p>
+            <a:endParaRPr lang="en-US"/>
+          </a:p>
+        </p:txBody>
+      </p:sp>
+      <p:sp>
+        <p:nvSpPr>
+          <p:cNvPr id="3" name="Date Placeholder 2"/>
+          <p:cNvSpPr>
+            <a:spLocks noGrp="1"/>
+          </p:cNvSpPr>
+          <p:nvPr>
+            <p:ph type="dt" idx="1"/>
+          </p:nvPr>
+        </p:nvSpPr>
+        <p:spPr>
+          <a:xfrm>
+            <a:off x="3884613" y="0"/>
+            <a:ext cx="2971800" cy="457200"/>
+          </a:xfrm>
+          <a:prstGeom prst="rect">
+            <a:avLst/>
+          </a:prstGeom>
+        </p:spPr>
+        <p:txBody>
+          <a:bodyPr vert="horz" lIns="91440" tIns="45720" rIns="91440" bIns="45720" rtlCol="0"/>
+          <a:lstStyle>
+            <a:lvl1pPr algn="r">
+              <a:defRPr sz="1200"/>
+            </a:lvl1pPr>
+          </a:lstStyle>
+          <a:p>
+            <a:fld id="{E600637E-A771-480D-AE7E-45BDD2129506}" type="datetimeFigureOut">
+              <a:rPr lang="en-US" smtClean="0"/>
+              <a:t>28-Jan-19</a:t>
+            </a:fld>
+            <a:endParaRPr lang="en-US"/>
+          </a:p>
+        </p:txBody>
+      </p:sp>
+      <p:sp>
+        <p:nvSpPr>
+          <p:cNvPr id="4" name="Slide Image Placeholder 3"/>
+          <p:cNvSpPr>
+            <a:spLocks noGrp="1" noRot="1" noChangeAspect="1"/>
+          </p:cNvSpPr>
+          <p:nvPr>
+            <p:ph type="sldImg" idx="2"/>
+          </p:nvPr>
+        </p:nvSpPr>
+        <p:spPr>
+          <a:xfrm>
+            <a:off x="1143000" y="685800"/>
+            <a:ext cx="4572000" cy="3429000"/>
+          </a:xfrm>
+          <a:prstGeom prst="rect">
+            <a:avLst/>
+          </a:prstGeom>
+          <a:noFill/>
+          <a:ln w="12700">
+            <a:solidFill>
+              <a:prstClr val="black"/>
+            </a:solidFill>
+          </a:ln>
+        </p:spPr>
+        <p:txBody>
+          <a:bodyPr vert="horz" lIns="91440" tIns="45720" rIns="91440" bIns="45720" rtlCol="0" anchor="ctr"/>
+          <a:lstStyle/>
+          <a:p>
+            <a:endParaRPr lang="en-US"/>
+          </a:p>
+        </p:txBody>
+      </p:sp>
+      <p:sp>
+        <p:nvSpPr>
+          <p:cNvPr id="5" name="Notes Placeholder 4"/>
+          <p:cNvSpPr>
+            <a:spLocks noGrp="1"/>
+          </p:cNvSpPr>
+          <p:nvPr>
+            <p:ph type="body" sz="quarter" idx="3"/>
+          </p:nvPr>
+        </p:nvSpPr>
+        <p:spPr>
+          <a:xfrm>
+            <a:off x="685800" y="4343400"/>
+            <a:ext cx="5486400" cy="4114800"/>
+          </a:xfrm>
+          <a:prstGeom prst="rect">
+            <a:avLst/>
+          </a:prstGeom>
+        </p:spPr>
+        <p:txBody>
+          <a:bodyPr vert="horz" lIns="91440" tIns="45720" rIns="91440" bIns="45720" rtlCol="0">
+            <a:normAutofit/>
+          </a:bodyPr>
+          <a:lstStyle/>
+          <a:p>
+            <a:pPr lvl="0"/>
+            <a:r>
+              <a:rPr lang="en-US" smtClean="0"/>
+              <a:t>Click to edit Master text styles</a:t>
+            </a:r>
+          </a:p>
+          <a:p>
+            <a:pPr lvl="1"/>
+            <a:r>
+              <a:rPr lang="en-US" smtClean="0"/>
+              <a:t>Second level</a:t>
+            </a:r>
+          </a:p>
+          <a:p>
+            <a:pPr lvl="2"/>
+            <a:r>
+              <a:rPr lang="en-US" smtClean="0"/>
+              <a:t>Third level</a:t>
+            </a:r>
+          </a:p>
+          <a:p>
+            <a:pPr lvl="3"/>
+            <a:r>
+              <a:rPr lang="en-US" smtClean="0"/>
+              <a:t>Fourth level</a:t>
+            </a:r>
+          </a:p>
+          <a:p>
+            <a:pPr lvl="4"/>
+            <a:r>
+              <a:rPr lang="en-US" smtClean="0"/>
+              <a:t>Fifth level</a:t>
+            </a:r>
+            <a:endParaRPr lang="en-US"/>
+          </a:p>
+        </p:txBody>
+      </p:sp>
+      <p:sp>
+        <p:nvSpPr>
+          <p:cNvPr id="6" name="Footer Placeholder 5"/>
+          <p:cNvSpPr>
+            <a:spLocks noGrp="1"/>
+          </p:cNvSpPr>
+          <p:nvPr>
+            <p:ph type="ftr" sz="quarter" idx="4"/>
+          </p:nvPr>
+        </p:nvSpPr>
+        <p:spPr>
+          <a:xfrm>
+            <a:off x="0" y="8685213"/>
+            <a:ext cx="2971800" cy="457200"/>
+          </a:xfrm>
+          <a:prstGeom prst="rect">
+            <a:avLst/>
+          </a:prstGeom>
+        </p:spPr>
+        <p:txBody>
+          <a:bodyPr vert="horz" lIns="91440" tIns="45720" rIns="91440" bIns="45720" rtlCol="0" anchor="b"/>
+          <a:lstStyle>
+            <a:lvl1pPr algn="l">
+              <a:defRPr sz="1200"/>
+            </a:lvl1pPr>
+          </a:lstStyle>
+          <a:p>
+            <a:endParaRPr lang="en-US"/>
+          </a:p>
+        </p:txBody>
+      </p:sp>
+      <p:sp>
+        <p:nvSpPr>
+          <p:cNvPr id="7" name="Slide Number Placeholder 6"/>
+          <p:cNvSpPr>
+            <a:spLocks noGrp="1"/>
+          </p:cNvSpPr>
+          <p:nvPr>
+            <p:ph type="sldNum" sz="quarter" idx="5"/>
+          </p:nvPr>
+        </p:nvSpPr>
+        <p:spPr>
+          <a:xfrm>
+            <a:off x="3884613" y="8685213"/>
+            <a:ext cx="2971800" cy="457200"/>
+          </a:xfrm>
+          <a:prstGeom prst="rect">
+            <a:avLst/>
+          </a:prstGeom>
+        </p:spPr>
+        <p:txBody>
+          <a:bodyPr vert="horz" lIns="91440" tIns="45720" rIns="91440" bIns="45720" rtlCol="0" anchor="b"/>
+          <a:lstStyle>
+            <a:lvl1pPr algn="r">
+              <a:defRPr sz="1200"/>
+            </a:lvl1pPr>
+          </a:lstStyle>
+          <a:p>
+            <a:fld id="{BFE373E1-E48B-4FAC-9126-DACF1BA27C73}" type="slidenum">
+              <a:rPr lang="en-US" smtClean="0"/>
+              <a:t>‹#›</a:t>
+            </a:fld>
+            <a:endParaRPr lang="en-US"/>
+          </a:p>
+        </p:txBody>
+      </p:sp>
+    </p:spTree>
+  </p:cSld>
+  <p:clrMap bg1="lt1" tx1="dk1" bg2="lt2" tx2="dk2" accent1="accent1" accent2="accent2" accent3="accent3" accent4="accent4" accent5="accent5" accent6="accent6" hlink="hlink" folHlink="folHlink"/>
+  <p:notesStyle>
+    <a:lvl1pPr marL="0" algn="l" defTabSz="914400" rtl="0" eaLnBrk="1" latinLnBrk="0" hangingPunct="1">
+      <a:defRPr sz="1200" kern="1200">
+        <a:solidFill>
+          <a:schemeClr val="tx1"/>
+        </a:solidFill>
+        <a:latin typeface="+mn-lt"/>
+        <a:ea typeface="+mn-ea"/>
+        <a:cs typeface="+mn-cs"/>
+      </a:defRPr>
+    </a:lvl1pPr>
+    <a:lvl2pPr marL="457200" algn="l" defTabSz="914400" rtl="0" eaLnBrk="1" latinLnBrk="0" hangingPunct="1">
+      <a:defRPr sz="1200" kern="1200">
+        <a:solidFill>
+          <a:schemeClr val="tx1"/>
+        </a:solidFill>
+        <a:latin typeface="+mn-lt"/>
+        <a:ea typeface="+mn-ea"/>
+        <a:cs typeface="+mn-cs"/>
+      </a:defRPr>
+    </a:lvl2pPr>
+    <a:lvl3pPr marL="914400" algn="l" defTabSz="914400" rtl="0" eaLnBrk="1" latinLnBrk="0" hangingPunct="1">
+      <a:defRPr sz="1200" kern="1200">
+        <a:solidFill>
+          <a:schemeClr val="tx1"/>
+        </a:solidFill>
+        <a:latin typeface="+mn-lt"/>
+        <a:ea typeface="+mn-ea"/>
+        <a:cs typeface="+mn-cs"/>
+      </a:defRPr>
+    </a:lvl3pPr>
+    <a:lvl4pPr marL="1371600" algn="l" defTabSz="914400" rtl="0" eaLnBrk="1" latinLnBrk="0" hangingPunct="1">
+      <a:defRPr sz="1200" kern="1200">
+        <a:solidFill>
+          <a:schemeClr val="tx1"/>
+        </a:solidFill>
+        <a:latin typeface="+mn-lt"/>
+        <a:ea typeface="+mn-ea"/>
+        <a:cs typeface="+mn-cs"/>
+      </a:defRPr>
+    </a:lvl4pPr>
+    <a:lvl5pPr marL="1828800" algn="l" defTabSz="914400" rtl="0" eaLnBrk="1" latinLnBrk="0" hangingPunct="1">
+      <a:defRPr sz="1200" kern="1200">
+        <a:solidFill>
+          <a:schemeClr val="tx1"/>
+        </a:solidFill>
+        <a:latin typeface="+mn-lt"/>
+        <a:ea typeface="+mn-ea"/>
+        <a:cs typeface="+mn-cs"/>
+      </a:defRPr>
+    </a:lvl5pPr>
+    <a:lvl6pPr marL="2286000" algn="l" defTabSz="914400" rtl="0" eaLnBrk="1" latinLnBrk="0" hangingPunct="1">
+      <a:defRPr sz="1200" kern="1200">
+        <a:solidFill>
+          <a:schemeClr val="tx1"/>
+        </a:solidFill>
+        <a:latin typeface="+mn-lt"/>
+        <a:ea typeface="+mn-ea"/>
+        <a:cs typeface="+mn-cs"/>
+      </a:defRPr>
+    </a:lvl6pPr>
+    <a:lvl7pPr marL="2743200" algn="l" defTabSz="914400" rtl="0" eaLnBrk="1" latinLnBrk="0" hangingPunct="1">
+      <a:defRPr sz="1200" kern="1200">
+        <a:solidFill>
+          <a:schemeClr val="tx1"/>
+        </a:solidFill>
+        <a:latin typeface="+mn-lt"/>
+        <a:ea typeface="+mn-ea"/>
+        <a:cs typeface="+mn-cs"/>
+      </a:defRPr>
+    </a:lvl7pPr>
+    <a:lvl8pPr marL="3200400" algn="l" defTabSz="914400" rtl="0" eaLnBrk="1" latinLnBrk="0" hangingPunct="1">
+      <a:defRPr sz="1200" kern="1200">
+        <a:solidFill>
+          <a:schemeClr val="tx1"/>
+        </a:solidFill>
+        <a:latin typeface="+mn-lt"/>
+        <a:ea typeface="+mn-ea"/>
+        <a:cs typeface="+mn-cs"/>
+      </a:defRPr>
+    </a:lvl8pPr>
+    <a:lvl9pPr marL="3657600" algn="l" defTabSz="914400" rtl="0" eaLnBrk="1" latinLnBrk="0" hangingPunct="1">
+      <a:defRPr sz="1200" kern="1200">
+        <a:solidFill>
+          <a:schemeClr val="tx1"/>
+        </a:solidFill>
+        <a:latin typeface="+mn-lt"/>
+        <a:ea typeface="+mn-ea"/>
+        <a:cs typeface="+mn-cs"/>
+      </a:defRPr>
+    </a:lvl9pPr>
+  </p:notesStyle>
+</p:notesMaster>
+</file>
+
+<file path=ppt/notesSlides/notesSlide1.xml><?xml version="1.0" encoding="utf-8"?>
+<p:notes xmlns:a="http://schemas.openxmlformats.org/drawingml/2006/main" xmlns:r="http://schemas.openxmlformats.org/officeDocument/2006/relationships" xmlns:p="http://schemas.openxmlformats.org/presentationml/2006/main">
+  <p:cSld>
+    <p:spTree>
+      <p:nvGrpSpPr>
+        <p:cNvPr id="1" name=""/>
+        <p:cNvGrpSpPr/>
+        <p:nvPr/>
+      </p:nvGrpSpPr>
+      <p:grpSpPr>
+        <a:xfrm>
+          <a:off x="0" y="0"/>
+          <a:ext cx="0" cy="0"/>
+          <a:chOff x="0" y="0"/>
+          <a:chExt cx="0" cy="0"/>
+        </a:xfrm>
+      </p:grpSpPr>
+      <p:sp>
+        <p:nvSpPr>
+          <p:cNvPr id="2" name="Slide Image Placeholder 1"/>
+          <p:cNvSpPr>
+            <a:spLocks noGrp="1" noRot="1" noChangeAspect="1"/>
+          </p:cNvSpPr>
+          <p:nvPr>
+            <p:ph type="sldImg"/>
+          </p:nvPr>
+        </p:nvSpPr>
+        <p:spPr/>
+      </p:sp>
+      <p:sp>
+        <p:nvSpPr>
+          <p:cNvPr id="3" name="Notes Placeholder 2"/>
+          <p:cNvSpPr>
+            <a:spLocks noGrp="1"/>
+          </p:cNvSpPr>
+          <p:nvPr>
+            <p:ph type="body" idx="1"/>
+          </p:nvPr>
+        </p:nvSpPr>
+        <p:spPr/>
+        <p:txBody>
+          <a:bodyPr>
+            <a:normAutofit/>
+          </a:bodyPr>
+          <a:lstStyle/>
+          <a:p>
+            <a:endParaRPr lang="en-US" dirty="0"/>
+          </a:p>
+        </p:txBody>
+      </p:sp>
+      <p:sp>
+        <p:nvSpPr>
+          <p:cNvPr id="4" name="Slide Number Placeholder 3"/>
+          <p:cNvSpPr>
+            <a:spLocks noGrp="1"/>
+          </p:cNvSpPr>
+          <p:nvPr>
+            <p:ph type="sldNum" sz="quarter" idx="10"/>
+          </p:nvPr>
+        </p:nvSpPr>
+        <p:spPr/>
+        <p:txBody>
+          <a:bodyPr/>
+          <a:lstStyle/>
+          <a:p>
+            <a:fld id="{BFE373E1-E48B-4FAC-9126-DACF1BA27C73}" type="slidenum">
+              <a:rPr lang="en-US" smtClean="0"/>
+              <a:t>19</a:t>
+            </a:fld>
+            <a:endParaRPr lang="en-US"/>
+          </a:p>
+        </p:txBody>
+      </p:sp>
+    </p:spTree>
+  </p:cSld>
+  <p:clrMapOvr>
+    <a:masterClrMapping/>
+  </p:clrMapOvr>
+</p:notes>
+</file>
+
 <file path=ppt/slideLayouts/slideLayout1.xml><?xml version="1.0" encoding="utf-8"?>
 <p:sldLayout xmlns:a="http://schemas.openxmlformats.org/drawingml/2006/main" xmlns:r="http://schemas.openxmlformats.org/officeDocument/2006/relationships" xmlns:p="http://schemas.openxmlformats.org/presentationml/2006/main" type="title" preserve="1">
   <p:cSld name="Title Slide">
@@ -306,7 +755,7 @@
             <a:fld id="{1D8BD707-D9CF-40AE-B4C6-C98DA3205C09}" type="datetimeFigureOut">
               <a:rPr lang="en-US" smtClean="0"/>
               <a:pPr/>
-              <a:t>25-Jan-19</a:t>
+              <a:t>28-Jan-19</a:t>
             </a:fld>
             <a:endParaRPr lang="en-US"/>
           </a:p>
@@ -473,7 +922,7 @@
             <a:fld id="{1D8BD707-D9CF-40AE-B4C6-C98DA3205C09}" type="datetimeFigureOut">
               <a:rPr lang="en-US" smtClean="0"/>
               <a:pPr/>
-              <a:t>25-Jan-19</a:t>
+              <a:t>28-Jan-19</a:t>
             </a:fld>
             <a:endParaRPr lang="en-US"/>
           </a:p>
@@ -650,7 +1099,7 @@
             <a:fld id="{1D8BD707-D9CF-40AE-B4C6-C98DA3205C09}" type="datetimeFigureOut">
               <a:rPr lang="en-US" smtClean="0"/>
               <a:pPr/>
-              <a:t>25-Jan-19</a:t>
+              <a:t>28-Jan-19</a:t>
             </a:fld>
             <a:endParaRPr lang="en-US"/>
           </a:p>
@@ -817,7 +1266,7 @@
             <a:fld id="{1D8BD707-D9CF-40AE-B4C6-C98DA3205C09}" type="datetimeFigureOut">
               <a:rPr lang="en-US" smtClean="0"/>
               <a:pPr/>
-              <a:t>25-Jan-19</a:t>
+              <a:t>28-Jan-19</a:t>
             </a:fld>
             <a:endParaRPr lang="en-US"/>
           </a:p>
@@ -1060,7 +1509,7 @@
             <a:fld id="{1D8BD707-D9CF-40AE-B4C6-C98DA3205C09}" type="datetimeFigureOut">
               <a:rPr lang="en-US" smtClean="0"/>
               <a:pPr/>
-              <a:t>25-Jan-19</a:t>
+              <a:t>28-Jan-19</a:t>
             </a:fld>
             <a:endParaRPr lang="en-US"/>
           </a:p>
@@ -1345,7 +1794,7 @@
             <a:fld id="{1D8BD707-D9CF-40AE-B4C6-C98DA3205C09}" type="datetimeFigureOut">
               <a:rPr lang="en-US" smtClean="0"/>
               <a:pPr/>
-              <a:t>25-Jan-19</a:t>
+              <a:t>28-Jan-19</a:t>
             </a:fld>
             <a:endParaRPr lang="en-US"/>
           </a:p>
@@ -1764,7 +2213,7 @@
             <a:fld id="{1D8BD707-D9CF-40AE-B4C6-C98DA3205C09}" type="datetimeFigureOut">
               <a:rPr lang="en-US" smtClean="0"/>
               <a:pPr/>
-              <a:t>25-Jan-19</a:t>
+              <a:t>28-Jan-19</a:t>
             </a:fld>
             <a:endParaRPr lang="en-US"/>
           </a:p>
@@ -1879,7 +2328,7 @@
             <a:fld id="{1D8BD707-D9CF-40AE-B4C6-C98DA3205C09}" type="datetimeFigureOut">
               <a:rPr lang="en-US" smtClean="0"/>
               <a:pPr/>
-              <a:t>25-Jan-19</a:t>
+              <a:t>28-Jan-19</a:t>
             </a:fld>
             <a:endParaRPr lang="en-US"/>
           </a:p>
@@ -1971,7 +2420,7 @@
             <a:fld id="{1D8BD707-D9CF-40AE-B4C6-C98DA3205C09}" type="datetimeFigureOut">
               <a:rPr lang="en-US" smtClean="0"/>
               <a:pPr/>
-              <a:t>25-Jan-19</a:t>
+              <a:t>28-Jan-19</a:t>
             </a:fld>
             <a:endParaRPr lang="en-US"/>
           </a:p>
@@ -2245,7 +2694,7 @@
             <a:fld id="{1D8BD707-D9CF-40AE-B4C6-C98DA3205C09}" type="datetimeFigureOut">
               <a:rPr lang="en-US" smtClean="0"/>
               <a:pPr/>
-              <a:t>25-Jan-19</a:t>
+              <a:t>28-Jan-19</a:t>
             </a:fld>
             <a:endParaRPr lang="en-US"/>
           </a:p>
@@ -2495,7 +2944,7 @@
             <a:fld id="{1D8BD707-D9CF-40AE-B4C6-C98DA3205C09}" type="datetimeFigureOut">
               <a:rPr lang="en-US" smtClean="0"/>
               <a:pPr/>
-              <a:t>25-Jan-19</a:t>
+              <a:t>28-Jan-19</a:t>
             </a:fld>
             <a:endParaRPr lang="en-US"/>
           </a:p>
@@ -2705,7 +3154,7 @@
             <a:fld id="{1D8BD707-D9CF-40AE-B4C6-C98DA3205C09}" type="datetimeFigureOut">
               <a:rPr lang="en-US" smtClean="0"/>
               <a:pPr/>
-              <a:t>25-Jan-19</a:t>
+              <a:t>28-Jan-19</a:t>
             </a:fld>
             <a:endParaRPr lang="en-US"/>
           </a:p>
@@ -3949,6 +4398,13 @@
   <p:clrMapOvr>
     <a:masterClrMapping/>
   </p:clrMapOvr>
+  <p:timing>
+    <p:tnLst>
+      <p:par>
+        <p:cTn id="1" dur="indefinite" restart="never" nodeType="tmRoot"/>
+      </p:par>
+    </p:tnLst>
+  </p:timing>
 </p:sld>
 </file>
 
@@ -4012,6 +4468,13 @@
   <p:clrMapOvr>
     <a:masterClrMapping/>
   </p:clrMapOvr>
+  <p:timing>
+    <p:tnLst>
+      <p:par>
+        <p:cTn id="1" dur="indefinite" restart="never" nodeType="tmRoot"/>
+      </p:par>
+    </p:tnLst>
+  </p:timing>
 </p:sld>
 </file>
 
@@ -4071,6 +4534,107 @@
   <p:clrMapOvr>
     <a:masterClrMapping/>
   </p:clrMapOvr>
+  <p:timing>
+    <p:tnLst>
+      <p:par>
+        <p:cTn id="1" dur="indefinite" restart="never" nodeType="tmRoot"/>
+      </p:par>
+    </p:tnLst>
+  </p:timing>
+</p:sld>
+</file>
+
+<file path=ppt/slides/slide19.xml><?xml version="1.0" encoding="utf-8"?>
+<p:sld xmlns:a="http://schemas.openxmlformats.org/drawingml/2006/main" xmlns:r="http://schemas.openxmlformats.org/officeDocument/2006/relationships" xmlns:p="http://schemas.openxmlformats.org/presentationml/2006/main">
+  <p:cSld>
+    <p:spTree>
+      <p:nvGrpSpPr>
+        <p:cNvPr id="1" name=""/>
+        <p:cNvGrpSpPr/>
+        <p:nvPr/>
+      </p:nvGrpSpPr>
+      <p:grpSpPr>
+        <a:xfrm>
+          <a:off x="0" y="0"/>
+          <a:ext cx="0" cy="0"/>
+          <a:chOff x="0" y="0"/>
+          <a:chExt cx="0" cy="0"/>
+        </a:xfrm>
+      </p:grpSpPr>
+      <p:sp>
+        <p:nvSpPr>
+          <p:cNvPr id="2" name="Title 1"/>
+          <p:cNvSpPr>
+            <a:spLocks noGrp="1"/>
+          </p:cNvSpPr>
+          <p:nvPr>
+            <p:ph type="title"/>
+          </p:nvPr>
+        </p:nvSpPr>
+        <p:spPr>
+          <a:xfrm>
+            <a:off x="457200" y="274638"/>
+            <a:ext cx="8229600" cy="639762"/>
+          </a:xfrm>
+        </p:spPr>
+        <p:txBody>
+          <a:bodyPr>
+            <a:normAutofit fontScale="90000"/>
+          </a:bodyPr>
+          <a:lstStyle/>
+          <a:p>
+            <a:r>
+              <a:rPr lang="en-US" dirty="0" smtClean="0"/>
+              <a:t>Model Representation</a:t>
+            </a:r>
+            <a:endParaRPr lang="en-US" dirty="0"/>
+          </a:p>
+        </p:txBody>
+      </p:sp>
+      <p:pic>
+        <p:nvPicPr>
+          <p:cNvPr id="1027" name="Picture 3"/>
+          <p:cNvPicPr>
+            <a:picLocks noChangeAspect="1" noChangeArrowheads="1"/>
+          </p:cNvPicPr>
+          <p:nvPr/>
+        </p:nvPicPr>
+        <p:blipFill>
+          <a:blip r:embed="rId3" cstate="print"/>
+          <a:srcRect/>
+          <a:stretch>
+            <a:fillRect/>
+          </a:stretch>
+        </p:blipFill>
+        <p:spPr bwMode="auto">
+          <a:xfrm>
+            <a:off x="0" y="457200"/>
+            <a:ext cx="9144000" cy="6191250"/>
+          </a:xfrm>
+          <a:prstGeom prst="rect">
+            <a:avLst/>
+          </a:prstGeom>
+          <a:noFill/>
+          <a:ln w="9525">
+            <a:noFill/>
+            <a:miter lim="800000"/>
+            <a:headEnd/>
+            <a:tailEnd/>
+          </a:ln>
+        </p:spPr>
+      </p:pic>
+    </p:spTree>
+  </p:cSld>
+  <p:clrMapOvr>
+    <a:masterClrMapping/>
+  </p:clrMapOvr>
+  <p:timing>
+    <p:tnLst>
+      <p:par>
+        <p:cTn id="1" dur="indefinite" restart="never" nodeType="tmRoot"/>
+      </p:par>
+    </p:tnLst>
+  </p:timing>
 </p:sld>
 </file>
 
@@ -4142,6 +4706,1282 @@
   <p:clrMapOvr>
     <a:masterClrMapping/>
   </p:clrMapOvr>
+</p:sld>
+</file>
+
+<file path=ppt/slides/slide20.xml><?xml version="1.0" encoding="utf-8"?>
+<p:sld xmlns:a="http://schemas.openxmlformats.org/drawingml/2006/main" xmlns:r="http://schemas.openxmlformats.org/officeDocument/2006/relationships" xmlns:p="http://schemas.openxmlformats.org/presentationml/2006/main">
+  <p:cSld>
+    <p:spTree>
+      <p:nvGrpSpPr>
+        <p:cNvPr id="1" name=""/>
+        <p:cNvGrpSpPr/>
+        <p:nvPr/>
+      </p:nvGrpSpPr>
+      <p:grpSpPr>
+        <a:xfrm>
+          <a:off x="0" y="0"/>
+          <a:ext cx="0" cy="0"/>
+          <a:chOff x="0" y="0"/>
+          <a:chExt cx="0" cy="0"/>
+        </a:xfrm>
+      </p:grpSpPr>
+      <p:pic>
+        <p:nvPicPr>
+          <p:cNvPr id="32770" name="Picture 2"/>
+          <p:cNvPicPr>
+            <a:picLocks noChangeAspect="1" noChangeArrowheads="1"/>
+          </p:cNvPicPr>
+          <p:nvPr/>
+        </p:nvPicPr>
+        <p:blipFill>
+          <a:blip r:embed="rId2" cstate="print"/>
+          <a:srcRect/>
+          <a:stretch>
+            <a:fillRect/>
+          </a:stretch>
+        </p:blipFill>
+        <p:spPr bwMode="auto">
+          <a:xfrm>
+            <a:off x="533400" y="457200"/>
+            <a:ext cx="8410575" cy="2038350"/>
+          </a:xfrm>
+          <a:prstGeom prst="rect">
+            <a:avLst/>
+          </a:prstGeom>
+          <a:noFill/>
+          <a:ln w="9525">
+            <a:noFill/>
+            <a:miter lim="800000"/>
+            <a:headEnd/>
+            <a:tailEnd/>
+          </a:ln>
+        </p:spPr>
+      </p:pic>
+    </p:spTree>
+  </p:cSld>
+  <p:clrMapOvr>
+    <a:masterClrMapping/>
+  </p:clrMapOvr>
+  <p:timing>
+    <p:tnLst>
+      <p:par>
+        <p:cTn id="1" dur="indefinite" restart="never" nodeType="tmRoot"/>
+      </p:par>
+    </p:tnLst>
+  </p:timing>
+</p:sld>
+</file>
+
+<file path=ppt/slides/slide21.xml><?xml version="1.0" encoding="utf-8"?>
+<p:sld xmlns:a="http://schemas.openxmlformats.org/drawingml/2006/main" xmlns:r="http://schemas.openxmlformats.org/officeDocument/2006/relationships" xmlns:p="http://schemas.openxmlformats.org/presentationml/2006/main">
+  <p:cSld>
+    <p:spTree>
+      <p:nvGrpSpPr>
+        <p:cNvPr id="1" name=""/>
+        <p:cNvGrpSpPr/>
+        <p:nvPr/>
+      </p:nvGrpSpPr>
+      <p:grpSpPr>
+        <a:xfrm>
+          <a:off x="0" y="0"/>
+          <a:ext cx="0" cy="0"/>
+          <a:chOff x="0" y="0"/>
+          <a:chExt cx="0" cy="0"/>
+        </a:xfrm>
+      </p:grpSpPr>
+      <p:sp>
+        <p:nvSpPr>
+          <p:cNvPr id="2" name="Title 1"/>
+          <p:cNvSpPr>
+            <a:spLocks noGrp="1"/>
+          </p:cNvSpPr>
+          <p:nvPr>
+            <p:ph type="title"/>
+          </p:nvPr>
+        </p:nvSpPr>
+        <p:spPr/>
+        <p:txBody>
+          <a:bodyPr/>
+          <a:lstStyle/>
+          <a:p>
+            <a:r>
+              <a:rPr lang="en-US" dirty="0" smtClean="0"/>
+              <a:t>Gradient Descent</a:t>
+            </a:r>
+            <a:endParaRPr lang="en-US" dirty="0"/>
+          </a:p>
+        </p:txBody>
+      </p:sp>
+      <p:sp>
+        <p:nvSpPr>
+          <p:cNvPr id="3" name="Content Placeholder 2"/>
+          <p:cNvSpPr>
+            <a:spLocks noGrp="1"/>
+          </p:cNvSpPr>
+          <p:nvPr>
+            <p:ph idx="1"/>
+          </p:nvPr>
+        </p:nvSpPr>
+        <p:spPr>
+          <a:xfrm>
+            <a:off x="457200" y="1600201"/>
+            <a:ext cx="8229600" cy="609599"/>
+          </a:xfrm>
+        </p:spPr>
+        <p:txBody>
+          <a:bodyPr>
+            <a:normAutofit/>
+          </a:bodyPr>
+          <a:lstStyle/>
+          <a:p>
+            <a:r>
+              <a:rPr lang="en-US" sz="1600" dirty="0" smtClean="0"/>
+              <a:t>Gradient Descent is an optimization algorithm. We will optimize our cost function using Gradient Descent Algorithm.</a:t>
+            </a:r>
+            <a:endParaRPr lang="en-US" sz="1600" dirty="0"/>
+          </a:p>
+        </p:txBody>
+      </p:sp>
+      <p:pic>
+        <p:nvPicPr>
+          <p:cNvPr id="33794" name="Picture 2"/>
+          <p:cNvPicPr>
+            <a:picLocks noChangeAspect="1" noChangeArrowheads="1"/>
+          </p:cNvPicPr>
+          <p:nvPr/>
+        </p:nvPicPr>
+        <p:blipFill>
+          <a:blip r:embed="rId2" cstate="print"/>
+          <a:srcRect/>
+          <a:stretch>
+            <a:fillRect/>
+          </a:stretch>
+        </p:blipFill>
+        <p:spPr bwMode="auto">
+          <a:xfrm>
+            <a:off x="304800" y="2286000"/>
+            <a:ext cx="8667750" cy="4019550"/>
+          </a:xfrm>
+          <a:prstGeom prst="rect">
+            <a:avLst/>
+          </a:prstGeom>
+          <a:noFill/>
+          <a:ln w="9525">
+            <a:noFill/>
+            <a:miter lim="800000"/>
+            <a:headEnd/>
+            <a:tailEnd/>
+          </a:ln>
+        </p:spPr>
+      </p:pic>
+    </p:spTree>
+  </p:cSld>
+  <p:clrMapOvr>
+    <a:masterClrMapping/>
+  </p:clrMapOvr>
+  <p:timing>
+    <p:tnLst>
+      <p:par>
+        <p:cTn id="1" dur="indefinite" restart="never" nodeType="tmRoot"/>
+      </p:par>
+    </p:tnLst>
+  </p:timing>
+</p:sld>
+</file>
+
+<file path=ppt/slides/slide22.xml><?xml version="1.0" encoding="utf-8"?>
+<p:sld xmlns:a="http://schemas.openxmlformats.org/drawingml/2006/main" xmlns:r="http://schemas.openxmlformats.org/officeDocument/2006/relationships" xmlns:p="http://schemas.openxmlformats.org/presentationml/2006/main">
+  <p:cSld>
+    <p:spTree>
+      <p:nvGrpSpPr>
+        <p:cNvPr id="1" name=""/>
+        <p:cNvGrpSpPr/>
+        <p:nvPr/>
+      </p:nvGrpSpPr>
+      <p:grpSpPr>
+        <a:xfrm>
+          <a:off x="0" y="0"/>
+          <a:ext cx="0" cy="0"/>
+          <a:chOff x="0" y="0"/>
+          <a:chExt cx="0" cy="0"/>
+        </a:xfrm>
+      </p:grpSpPr>
+      <p:pic>
+        <p:nvPicPr>
+          <p:cNvPr id="34818" name="Picture 2"/>
+          <p:cNvPicPr>
+            <a:picLocks noChangeAspect="1" noChangeArrowheads="1"/>
+          </p:cNvPicPr>
+          <p:nvPr/>
+        </p:nvPicPr>
+        <p:blipFill>
+          <a:blip r:embed="rId2" cstate="print"/>
+          <a:srcRect/>
+          <a:stretch>
+            <a:fillRect/>
+          </a:stretch>
+        </p:blipFill>
+        <p:spPr bwMode="auto">
+          <a:xfrm>
+            <a:off x="342900" y="609600"/>
+            <a:ext cx="8458200" cy="3657600"/>
+          </a:xfrm>
+          <a:prstGeom prst="rect">
+            <a:avLst/>
+          </a:prstGeom>
+          <a:noFill/>
+          <a:ln w="9525">
+            <a:noFill/>
+            <a:miter lim="800000"/>
+            <a:headEnd/>
+            <a:tailEnd/>
+          </a:ln>
+        </p:spPr>
+      </p:pic>
+    </p:spTree>
+  </p:cSld>
+  <p:clrMapOvr>
+    <a:masterClrMapping/>
+  </p:clrMapOvr>
+  <p:timing>
+    <p:tnLst>
+      <p:par>
+        <p:cTn id="1" dur="indefinite" restart="never" nodeType="tmRoot"/>
+      </p:par>
+    </p:tnLst>
+  </p:timing>
+</p:sld>
+</file>
+
+<file path=ppt/slides/slide23.xml><?xml version="1.0" encoding="utf-8"?>
+<p:sld xmlns:a="http://schemas.openxmlformats.org/drawingml/2006/main" xmlns:r="http://schemas.openxmlformats.org/officeDocument/2006/relationships" xmlns:p="http://schemas.openxmlformats.org/presentationml/2006/main">
+  <p:cSld>
+    <p:spTree>
+      <p:nvGrpSpPr>
+        <p:cNvPr id="1" name=""/>
+        <p:cNvGrpSpPr/>
+        <p:nvPr/>
+      </p:nvGrpSpPr>
+      <p:grpSpPr>
+        <a:xfrm>
+          <a:off x="0" y="0"/>
+          <a:ext cx="0" cy="0"/>
+          <a:chOff x="0" y="0"/>
+          <a:chExt cx="0" cy="0"/>
+        </a:xfrm>
+      </p:grpSpPr>
+      <p:sp>
+        <p:nvSpPr>
+          <p:cNvPr id="2" name="Title 1"/>
+          <p:cNvSpPr>
+            <a:spLocks noGrp="1"/>
+          </p:cNvSpPr>
+          <p:nvPr>
+            <p:ph type="title"/>
+          </p:nvPr>
+        </p:nvSpPr>
+        <p:spPr>
+          <a:xfrm>
+            <a:off x="457200" y="2286000"/>
+            <a:ext cx="8229600" cy="1143000"/>
+          </a:xfrm>
+        </p:spPr>
+        <p:txBody>
+          <a:bodyPr>
+            <a:normAutofit fontScale="90000"/>
+          </a:bodyPr>
+          <a:lstStyle/>
+          <a:p>
+            <a:r>
+              <a:rPr lang="en-US" dirty="0" smtClean="0"/>
+              <a:t>Python Implementation</a:t>
+            </a:r>
+            <a:br>
+              <a:rPr lang="en-US" dirty="0" smtClean="0"/>
+            </a:br>
+            <a:endParaRPr lang="en-US" dirty="0"/>
+          </a:p>
+        </p:txBody>
+      </p:sp>
+    </p:spTree>
+  </p:cSld>
+  <p:clrMapOvr>
+    <a:masterClrMapping/>
+  </p:clrMapOvr>
+  <p:timing>
+    <p:tnLst>
+      <p:par>
+        <p:cTn id="1" dur="indefinite" restart="never" nodeType="tmRoot"/>
+      </p:par>
+    </p:tnLst>
+  </p:timing>
+</p:sld>
+</file>
+
+<file path=ppt/slides/slide24.xml><?xml version="1.0" encoding="utf-8"?>
+<p:sld xmlns:a="http://schemas.openxmlformats.org/drawingml/2006/main" xmlns:r="http://schemas.openxmlformats.org/officeDocument/2006/relationships" xmlns:p="http://schemas.openxmlformats.org/presentationml/2006/main">
+  <p:cSld>
+    <p:spTree>
+      <p:nvGrpSpPr>
+        <p:cNvPr id="1" name=""/>
+        <p:cNvGrpSpPr/>
+        <p:nvPr/>
+      </p:nvGrpSpPr>
+      <p:grpSpPr>
+        <a:xfrm>
+          <a:off x="0" y="0"/>
+          <a:ext cx="0" cy="0"/>
+          <a:chOff x="0" y="0"/>
+          <a:chExt cx="0" cy="0"/>
+        </a:xfrm>
+      </p:grpSpPr>
+      <p:sp>
+        <p:nvSpPr>
+          <p:cNvPr id="2" name="Title 1"/>
+          <p:cNvSpPr>
+            <a:spLocks noGrp="1"/>
+          </p:cNvSpPr>
+          <p:nvPr>
+            <p:ph type="title"/>
+          </p:nvPr>
+        </p:nvSpPr>
+        <p:spPr>
+          <a:xfrm>
+            <a:off x="457200" y="274638"/>
+            <a:ext cx="8229600" cy="563562"/>
+          </a:xfrm>
+        </p:spPr>
+        <p:txBody>
+          <a:bodyPr>
+            <a:normAutofit fontScale="90000"/>
+          </a:bodyPr>
+          <a:lstStyle/>
+          <a:p>
+            <a:r>
+              <a:rPr lang="en-US" dirty="0" smtClean="0"/>
+              <a:t>Logistic Regression</a:t>
+            </a:r>
+            <a:endParaRPr lang="en-US" dirty="0"/>
+          </a:p>
+        </p:txBody>
+      </p:sp>
+      <p:sp>
+        <p:nvSpPr>
+          <p:cNvPr id="3" name="Content Placeholder 2"/>
+          <p:cNvSpPr>
+            <a:spLocks noGrp="1"/>
+          </p:cNvSpPr>
+          <p:nvPr>
+            <p:ph idx="1"/>
+          </p:nvPr>
+        </p:nvSpPr>
+        <p:spPr>
+          <a:xfrm>
+            <a:off x="457200" y="914400"/>
+            <a:ext cx="8229600" cy="5211763"/>
+          </a:xfrm>
+        </p:spPr>
+        <p:txBody>
+          <a:bodyPr>
+            <a:normAutofit/>
+          </a:bodyPr>
+          <a:lstStyle/>
+          <a:p>
+            <a:r>
+              <a:rPr lang="en-US" sz="2000" dirty="0" smtClean="0"/>
+              <a:t>In a classification problem, the target variable(or output), y, can take only discrete values for given set of features(or inputs), X</a:t>
+            </a:r>
+            <a:r>
+              <a:rPr lang="en-US" sz="2000" dirty="0" smtClean="0"/>
+              <a:t>.</a:t>
+            </a:r>
+          </a:p>
+          <a:p>
+            <a:r>
+              <a:rPr lang="en-US" sz="2000" dirty="0" smtClean="0"/>
+              <a:t>target variable is </a:t>
+            </a:r>
+            <a:r>
+              <a:rPr lang="en-US" sz="2000" b="1" dirty="0" smtClean="0"/>
+              <a:t>categorical</a:t>
+            </a:r>
+            <a:r>
+              <a:rPr lang="en-US" sz="2000" dirty="0" smtClean="0"/>
+              <a:t>. Based on the number of </a:t>
+            </a:r>
+            <a:r>
+              <a:rPr lang="en-US" sz="2000" dirty="0" smtClean="0"/>
+              <a:t>categories</a:t>
+            </a:r>
+          </a:p>
+          <a:p>
+            <a:pPr fontAlgn="base"/>
+            <a:r>
+              <a:rPr lang="en-US" sz="2000" dirty="0" smtClean="0"/>
+              <a:t>Logistic regression can be classified as:</a:t>
+            </a:r>
+          </a:p>
+          <a:p>
+            <a:pPr lvl="1" fontAlgn="base"/>
+            <a:r>
+              <a:rPr lang="en-US" sz="1600" b="1" dirty="0" smtClean="0"/>
+              <a:t>binomial:</a:t>
+            </a:r>
+            <a:r>
+              <a:rPr lang="en-US" sz="1600" dirty="0" smtClean="0"/>
+              <a:t> target variable can have only 2 possible types: “0” or “1” which may represent “win” </a:t>
+            </a:r>
+            <a:r>
+              <a:rPr lang="en-US" sz="1600" dirty="0" err="1" smtClean="0"/>
+              <a:t>vs</a:t>
+            </a:r>
+            <a:r>
+              <a:rPr lang="en-US" sz="1600" dirty="0" smtClean="0"/>
+              <a:t> “loss”, “pass” </a:t>
+            </a:r>
+            <a:r>
+              <a:rPr lang="en-US" sz="1600" dirty="0" err="1" smtClean="0"/>
+              <a:t>vs</a:t>
+            </a:r>
+            <a:r>
+              <a:rPr lang="en-US" sz="1600" dirty="0" smtClean="0"/>
+              <a:t> “fail”, “dead” </a:t>
+            </a:r>
+            <a:r>
+              <a:rPr lang="en-US" sz="1600" dirty="0" err="1" smtClean="0"/>
+              <a:t>vs</a:t>
+            </a:r>
+            <a:r>
+              <a:rPr lang="en-US" sz="1600" dirty="0" smtClean="0"/>
+              <a:t> “alive”, etc.</a:t>
+            </a:r>
+          </a:p>
+          <a:p>
+            <a:pPr lvl="1" fontAlgn="base"/>
+            <a:r>
+              <a:rPr lang="en-US" sz="1600" b="1" dirty="0" smtClean="0"/>
+              <a:t>multinomial:</a:t>
+            </a:r>
+            <a:r>
+              <a:rPr lang="en-US" sz="1600" dirty="0" smtClean="0"/>
+              <a:t> target variable can have 3 or more possible types which are not ordered(i.e. types have no quantitative significance) like “disease A” </a:t>
+            </a:r>
+            <a:r>
+              <a:rPr lang="en-US" sz="1600" dirty="0" err="1" smtClean="0"/>
+              <a:t>vs</a:t>
+            </a:r>
+            <a:r>
+              <a:rPr lang="en-US" sz="1600" dirty="0" smtClean="0"/>
+              <a:t> “disease B” </a:t>
+            </a:r>
+            <a:r>
+              <a:rPr lang="en-US" sz="1600" dirty="0" err="1" smtClean="0"/>
+              <a:t>vs</a:t>
+            </a:r>
+            <a:r>
+              <a:rPr lang="en-US" sz="1600" dirty="0" smtClean="0"/>
+              <a:t> “disease C”.</a:t>
+            </a:r>
+          </a:p>
+          <a:p>
+            <a:pPr lvl="1" fontAlgn="base"/>
+            <a:r>
+              <a:rPr lang="en-US" sz="1600" b="1" dirty="0" smtClean="0"/>
+              <a:t>ordinal:</a:t>
+            </a:r>
+            <a:r>
+              <a:rPr lang="en-US" sz="1600" dirty="0" smtClean="0"/>
+              <a:t> it deals with target variables with ordered categories. For example, a test score can be categorized as:“very poor”, “poor”, “good”, “very good”. Here, each category can be given a score like 0, 1, 2, 3.</a:t>
+            </a:r>
+          </a:p>
+          <a:p>
+            <a:endParaRPr lang="en-US" sz="2000" dirty="0"/>
+          </a:p>
+        </p:txBody>
+      </p:sp>
+    </p:spTree>
+  </p:cSld>
+  <p:clrMapOvr>
+    <a:masterClrMapping/>
+  </p:clrMapOvr>
+</p:sld>
+</file>
+
+<file path=ppt/slides/slide25.xml><?xml version="1.0" encoding="utf-8"?>
+<p:sld xmlns:a="http://schemas.openxmlformats.org/drawingml/2006/main" xmlns:r="http://schemas.openxmlformats.org/officeDocument/2006/relationships" xmlns:p="http://schemas.openxmlformats.org/presentationml/2006/main">
+  <p:cSld>
+    <p:spTree>
+      <p:nvGrpSpPr>
+        <p:cNvPr id="1" name=""/>
+        <p:cNvGrpSpPr/>
+        <p:nvPr/>
+      </p:nvGrpSpPr>
+      <p:grpSpPr>
+        <a:xfrm>
+          <a:off x="0" y="0"/>
+          <a:ext cx="0" cy="0"/>
+          <a:chOff x="0" y="0"/>
+          <a:chExt cx="0" cy="0"/>
+        </a:xfrm>
+      </p:grpSpPr>
+      <p:sp>
+        <p:nvSpPr>
+          <p:cNvPr id="3" name="Content Placeholder 2"/>
+          <p:cNvSpPr>
+            <a:spLocks noGrp="1"/>
+          </p:cNvSpPr>
+          <p:nvPr>
+            <p:ph idx="1"/>
+          </p:nvPr>
+        </p:nvSpPr>
+        <p:spPr>
+          <a:xfrm>
+            <a:off x="0" y="228601"/>
+            <a:ext cx="8686800" cy="914400"/>
+          </a:xfrm>
+        </p:spPr>
+        <p:txBody>
+          <a:bodyPr>
+            <a:normAutofit lnSpcReduction="10000"/>
+          </a:bodyPr>
+          <a:lstStyle/>
+          <a:p>
+            <a:pPr fontAlgn="base"/>
+            <a:r>
+              <a:rPr lang="en-US" sz="2000" dirty="0" smtClean="0"/>
+              <a:t>Consider an example dataset which maps the number of hours of study with the result of an exam. The result can take only two values, namely passed(1) or failed(0):</a:t>
+            </a:r>
+            <a:endParaRPr lang="en-US" dirty="0"/>
+          </a:p>
+        </p:txBody>
+      </p:sp>
+      <p:graphicFrame>
+        <p:nvGraphicFramePr>
+          <p:cNvPr id="4" name="Table 3"/>
+          <p:cNvGraphicFramePr>
+            <a:graphicFrameLocks noGrp="1"/>
+          </p:cNvGraphicFramePr>
+          <p:nvPr/>
+        </p:nvGraphicFramePr>
+        <p:xfrm>
+          <a:off x="152400" y="1371600"/>
+          <a:ext cx="8915400" cy="1010920"/>
+        </p:xfrm>
+        <a:graphic>
+          <a:graphicData uri="http://schemas.openxmlformats.org/drawingml/2006/table">
+            <a:tbl>
+              <a:tblPr firstRow="1" bandRow="1">
+                <a:tableStyleId>{5C22544A-7EE6-4342-B048-85BDC9FD1C3A}</a:tableStyleId>
+              </a:tblPr>
+              <a:tblGrid>
+                <a:gridCol w="891540"/>
+                <a:gridCol w="891540"/>
+                <a:gridCol w="891540"/>
+                <a:gridCol w="891540"/>
+                <a:gridCol w="891540"/>
+                <a:gridCol w="891540"/>
+                <a:gridCol w="891540"/>
+                <a:gridCol w="891540"/>
+                <a:gridCol w="891540"/>
+                <a:gridCol w="891540"/>
+              </a:tblGrid>
+              <a:tr h="370840">
+                <a:tc>
+                  <a:txBody>
+                    <a:bodyPr/>
+                    <a:lstStyle/>
+                    <a:p>
+                      <a:r>
+                        <a:rPr lang="en-US" sz="1800" dirty="0" smtClean="0"/>
+                        <a:t>HOURS(X)</a:t>
+                      </a:r>
+                      <a:endParaRPr lang="en-US" dirty="0"/>
+                    </a:p>
+                  </a:txBody>
+                  <a:tcPr/>
+                </a:tc>
+                <a:tc>
+                  <a:txBody>
+                    <a:bodyPr/>
+                    <a:lstStyle/>
+                    <a:p>
+                      <a:r>
+                        <a:rPr lang="en-US" sz="1800" dirty="0" smtClean="0"/>
+                        <a:t>0.50</a:t>
+                      </a:r>
+                      <a:endParaRPr lang="en-US" dirty="0"/>
+                    </a:p>
+                  </a:txBody>
+                  <a:tcPr/>
+                </a:tc>
+                <a:tc>
+                  <a:txBody>
+                    <a:bodyPr/>
+                    <a:lstStyle/>
+                    <a:p>
+                      <a:r>
+                        <a:rPr lang="en-US" sz="1800" dirty="0" smtClean="0"/>
+                        <a:t>0.75</a:t>
+                      </a:r>
+                      <a:endParaRPr lang="en-US" dirty="0"/>
+                    </a:p>
+                  </a:txBody>
+                  <a:tcPr/>
+                </a:tc>
+                <a:tc>
+                  <a:txBody>
+                    <a:bodyPr/>
+                    <a:lstStyle/>
+                    <a:p>
+                      <a:r>
+                        <a:rPr lang="en-US" sz="1800" dirty="0" smtClean="0"/>
+                        <a:t>1.0</a:t>
+                      </a:r>
+                      <a:endParaRPr lang="en-US" dirty="0"/>
+                    </a:p>
+                  </a:txBody>
+                  <a:tcPr/>
+                </a:tc>
+                <a:tc>
+                  <a:txBody>
+                    <a:bodyPr/>
+                    <a:lstStyle/>
+                    <a:p>
+                      <a:r>
+                        <a:rPr lang="en-US" sz="1800" dirty="0" smtClean="0"/>
+                        <a:t>1.25</a:t>
+                      </a:r>
+                      <a:endParaRPr lang="en-US" dirty="0"/>
+                    </a:p>
+                  </a:txBody>
+                  <a:tcPr/>
+                </a:tc>
+                <a:tc>
+                  <a:txBody>
+                    <a:bodyPr/>
+                    <a:lstStyle/>
+                    <a:p>
+                      <a:r>
+                        <a:rPr lang="en-US" dirty="0" smtClean="0"/>
+                        <a:t>1.50</a:t>
+                      </a:r>
+                      <a:endParaRPr lang="en-US" dirty="0"/>
+                    </a:p>
+                  </a:txBody>
+                  <a:tcPr/>
+                </a:tc>
+                <a:tc>
+                  <a:txBody>
+                    <a:bodyPr/>
+                    <a:lstStyle/>
+                    <a:p>
+                      <a:r>
+                        <a:rPr lang="en-US" dirty="0" smtClean="0"/>
+                        <a:t>1.75</a:t>
+                      </a:r>
+                      <a:endParaRPr lang="en-US" dirty="0"/>
+                    </a:p>
+                  </a:txBody>
+                  <a:tcPr/>
+                </a:tc>
+                <a:tc>
+                  <a:txBody>
+                    <a:bodyPr/>
+                    <a:lstStyle/>
+                    <a:p>
+                      <a:r>
+                        <a:rPr lang="en-US" dirty="0" smtClean="0"/>
+                        <a:t>2.0</a:t>
+                      </a:r>
+                      <a:endParaRPr lang="en-US" dirty="0"/>
+                    </a:p>
+                  </a:txBody>
+                  <a:tcPr/>
+                </a:tc>
+                <a:tc>
+                  <a:txBody>
+                    <a:bodyPr/>
+                    <a:lstStyle/>
+                    <a:p>
+                      <a:r>
+                        <a:rPr lang="en-US" dirty="0" smtClean="0"/>
+                        <a:t>2.25</a:t>
+                      </a:r>
+                      <a:endParaRPr lang="en-US" dirty="0"/>
+                    </a:p>
+                  </a:txBody>
+                  <a:tcPr/>
+                </a:tc>
+                <a:tc>
+                  <a:txBody>
+                    <a:bodyPr/>
+                    <a:lstStyle/>
+                    <a:p>
+                      <a:r>
+                        <a:rPr lang="en-US" dirty="0" smtClean="0"/>
+                        <a:t>2.50</a:t>
+                      </a:r>
+                      <a:endParaRPr lang="en-US" dirty="0"/>
+                    </a:p>
+                  </a:txBody>
+                  <a:tcPr/>
+                </a:tc>
+              </a:tr>
+              <a:tr h="370840">
+                <a:tc>
+                  <a:txBody>
+                    <a:bodyPr/>
+                    <a:lstStyle/>
+                    <a:p>
+                      <a:r>
+                        <a:rPr lang="en-US" sz="1800" dirty="0" smtClean="0"/>
+                        <a:t>PASS(Y)</a:t>
+                      </a:r>
+                      <a:endParaRPr lang="en-US" dirty="0"/>
+                    </a:p>
+                  </a:txBody>
+                  <a:tcPr/>
+                </a:tc>
+                <a:tc>
+                  <a:txBody>
+                    <a:bodyPr/>
+                    <a:lstStyle/>
+                    <a:p>
+                      <a:r>
+                        <a:rPr lang="en-US" dirty="0" smtClean="0"/>
+                        <a:t>0</a:t>
+                      </a:r>
+                      <a:endParaRPr lang="en-US" dirty="0"/>
+                    </a:p>
+                  </a:txBody>
+                  <a:tcPr/>
+                </a:tc>
+                <a:tc>
+                  <a:txBody>
+                    <a:bodyPr/>
+                    <a:lstStyle/>
+                    <a:p>
+                      <a:r>
+                        <a:rPr lang="en-US" dirty="0" smtClean="0"/>
+                        <a:t>0</a:t>
+                      </a:r>
+                      <a:endParaRPr lang="en-US" dirty="0"/>
+                    </a:p>
+                  </a:txBody>
+                  <a:tcPr/>
+                </a:tc>
+                <a:tc>
+                  <a:txBody>
+                    <a:bodyPr/>
+                    <a:lstStyle/>
+                    <a:p>
+                      <a:r>
+                        <a:rPr lang="en-US" dirty="0" smtClean="0"/>
+                        <a:t>0</a:t>
+                      </a:r>
+                      <a:endParaRPr lang="en-US" dirty="0"/>
+                    </a:p>
+                  </a:txBody>
+                  <a:tcPr/>
+                </a:tc>
+                <a:tc>
+                  <a:txBody>
+                    <a:bodyPr/>
+                    <a:lstStyle/>
+                    <a:p>
+                      <a:r>
+                        <a:rPr lang="en-US" dirty="0" smtClean="0"/>
+                        <a:t>1</a:t>
+                      </a:r>
+                      <a:endParaRPr lang="en-US" dirty="0"/>
+                    </a:p>
+                  </a:txBody>
+                  <a:tcPr/>
+                </a:tc>
+                <a:tc>
+                  <a:txBody>
+                    <a:bodyPr/>
+                    <a:lstStyle/>
+                    <a:p>
+                      <a:r>
+                        <a:rPr lang="en-US" dirty="0" smtClean="0"/>
+                        <a:t>0</a:t>
+                      </a:r>
+                      <a:endParaRPr lang="en-US" dirty="0"/>
+                    </a:p>
+                  </a:txBody>
+                  <a:tcPr/>
+                </a:tc>
+                <a:tc>
+                  <a:txBody>
+                    <a:bodyPr/>
+                    <a:lstStyle/>
+                    <a:p>
+                      <a:r>
+                        <a:rPr lang="en-US" dirty="0" smtClean="0"/>
+                        <a:t>1</a:t>
+                      </a:r>
+                      <a:endParaRPr lang="en-US" dirty="0"/>
+                    </a:p>
+                  </a:txBody>
+                  <a:tcPr/>
+                </a:tc>
+                <a:tc>
+                  <a:txBody>
+                    <a:bodyPr/>
+                    <a:lstStyle/>
+                    <a:p>
+                      <a:r>
+                        <a:rPr lang="en-US" dirty="0" smtClean="0"/>
+                        <a:t>1</a:t>
+                      </a:r>
+                      <a:endParaRPr lang="en-US" dirty="0"/>
+                    </a:p>
+                  </a:txBody>
+                  <a:tcPr/>
+                </a:tc>
+                <a:tc>
+                  <a:txBody>
+                    <a:bodyPr/>
+                    <a:lstStyle/>
+                    <a:p>
+                      <a:r>
+                        <a:rPr lang="en-US" dirty="0" smtClean="0"/>
+                        <a:t>1</a:t>
+                      </a:r>
+                      <a:endParaRPr lang="en-US" dirty="0"/>
+                    </a:p>
+                  </a:txBody>
+                  <a:tcPr/>
+                </a:tc>
+                <a:tc>
+                  <a:txBody>
+                    <a:bodyPr/>
+                    <a:lstStyle/>
+                    <a:p>
+                      <a:r>
+                        <a:rPr lang="en-US" dirty="0" smtClean="0"/>
+                        <a:t>1</a:t>
+                      </a:r>
+                      <a:endParaRPr lang="en-US" dirty="0"/>
+                    </a:p>
+                  </a:txBody>
+                  <a:tcPr/>
+                </a:tc>
+              </a:tr>
+            </a:tbl>
+          </a:graphicData>
+        </a:graphic>
+      </p:graphicFrame>
+      <p:pic>
+        <p:nvPicPr>
+          <p:cNvPr id="35842" name="Picture 2"/>
+          <p:cNvPicPr>
+            <a:picLocks noChangeAspect="1" noChangeArrowheads="1"/>
+          </p:cNvPicPr>
+          <p:nvPr/>
+        </p:nvPicPr>
+        <p:blipFill>
+          <a:blip r:embed="rId2" cstate="print"/>
+          <a:srcRect/>
+          <a:stretch>
+            <a:fillRect/>
+          </a:stretch>
+        </p:blipFill>
+        <p:spPr bwMode="auto">
+          <a:xfrm>
+            <a:off x="2209800" y="2895600"/>
+            <a:ext cx="4572000" cy="1676400"/>
+          </a:xfrm>
+          <a:prstGeom prst="rect">
+            <a:avLst/>
+          </a:prstGeom>
+          <a:noFill/>
+          <a:ln w="9525">
+            <a:noFill/>
+            <a:miter lim="800000"/>
+            <a:headEnd/>
+            <a:tailEnd/>
+          </a:ln>
+        </p:spPr>
+      </p:pic>
+    </p:spTree>
+  </p:cSld>
+  <p:clrMapOvr>
+    <a:masterClrMapping/>
+  </p:clrMapOvr>
+</p:sld>
+</file>
+
+<file path=ppt/slides/slide26.xml><?xml version="1.0" encoding="utf-8"?>
+<p:sld xmlns:a="http://schemas.openxmlformats.org/drawingml/2006/main" xmlns:r="http://schemas.openxmlformats.org/officeDocument/2006/relationships" xmlns:p="http://schemas.openxmlformats.org/presentationml/2006/main">
+  <p:cSld>
+    <p:spTree>
+      <p:nvGrpSpPr>
+        <p:cNvPr id="1" name=""/>
+        <p:cNvGrpSpPr/>
+        <p:nvPr/>
+      </p:nvGrpSpPr>
+      <p:grpSpPr>
+        <a:xfrm>
+          <a:off x="0" y="0"/>
+          <a:ext cx="0" cy="0"/>
+          <a:chOff x="0" y="0"/>
+          <a:chExt cx="0" cy="0"/>
+        </a:xfrm>
+      </p:grpSpPr>
+      <p:sp>
+        <p:nvSpPr>
+          <p:cNvPr id="3" name="Content Placeholder 2"/>
+          <p:cNvSpPr>
+            <a:spLocks noGrp="1"/>
+          </p:cNvSpPr>
+          <p:nvPr>
+            <p:ph idx="1"/>
+          </p:nvPr>
+        </p:nvSpPr>
+        <p:spPr>
+          <a:xfrm>
+            <a:off x="457200" y="228601"/>
+            <a:ext cx="8229600" cy="381000"/>
+          </a:xfrm>
+        </p:spPr>
+        <p:txBody>
+          <a:bodyPr>
+            <a:normAutofit lnSpcReduction="10000"/>
+          </a:bodyPr>
+          <a:lstStyle/>
+          <a:p>
+            <a:pPr>
+              <a:buNone/>
+            </a:pPr>
+            <a:r>
+              <a:rPr lang="en-US" sz="2000" dirty="0" smtClean="0"/>
+              <a:t>In order to generalize our model, we assume that:</a:t>
+            </a:r>
+            <a:endParaRPr lang="en-US" sz="2000" dirty="0"/>
+          </a:p>
+        </p:txBody>
+      </p:sp>
+      <p:pic>
+        <p:nvPicPr>
+          <p:cNvPr id="36866" name="Picture 2"/>
+          <p:cNvPicPr>
+            <a:picLocks noChangeAspect="1" noChangeArrowheads="1"/>
+          </p:cNvPicPr>
+          <p:nvPr/>
+        </p:nvPicPr>
+        <p:blipFill>
+          <a:blip r:embed="rId2" cstate="print"/>
+          <a:srcRect/>
+          <a:stretch>
+            <a:fillRect/>
+          </a:stretch>
+        </p:blipFill>
+        <p:spPr bwMode="auto">
+          <a:xfrm>
+            <a:off x="228600" y="685800"/>
+            <a:ext cx="8534399" cy="6172200"/>
+          </a:xfrm>
+          <a:prstGeom prst="rect">
+            <a:avLst/>
+          </a:prstGeom>
+          <a:noFill/>
+          <a:ln w="9525">
+            <a:noFill/>
+            <a:miter lim="800000"/>
+            <a:headEnd/>
+            <a:tailEnd/>
+          </a:ln>
+        </p:spPr>
+      </p:pic>
+    </p:spTree>
+  </p:cSld>
+  <p:clrMapOvr>
+    <a:masterClrMapping/>
+  </p:clrMapOvr>
+</p:sld>
+</file>
+
+<file path=ppt/slides/slide27.xml><?xml version="1.0" encoding="utf-8"?>
+<p:sld xmlns:a="http://schemas.openxmlformats.org/drawingml/2006/main" xmlns:r="http://schemas.openxmlformats.org/officeDocument/2006/relationships" xmlns:p="http://schemas.openxmlformats.org/presentationml/2006/main">
+  <p:cSld>
+    <p:spTree>
+      <p:nvGrpSpPr>
+        <p:cNvPr id="1" name=""/>
+        <p:cNvGrpSpPr/>
+        <p:nvPr/>
+      </p:nvGrpSpPr>
+      <p:grpSpPr>
+        <a:xfrm>
+          <a:off x="0" y="0"/>
+          <a:ext cx="0" cy="0"/>
+          <a:chOff x="0" y="0"/>
+          <a:chExt cx="0" cy="0"/>
+        </a:xfrm>
+      </p:grpSpPr>
+      <p:pic>
+        <p:nvPicPr>
+          <p:cNvPr id="37890" name="Picture 2"/>
+          <p:cNvPicPr>
+            <a:picLocks noChangeAspect="1" noChangeArrowheads="1"/>
+          </p:cNvPicPr>
+          <p:nvPr/>
+        </p:nvPicPr>
+        <p:blipFill>
+          <a:blip r:embed="rId2" cstate="print"/>
+          <a:srcRect/>
+          <a:stretch>
+            <a:fillRect/>
+          </a:stretch>
+        </p:blipFill>
+        <p:spPr bwMode="auto">
+          <a:xfrm>
+            <a:off x="381000" y="0"/>
+            <a:ext cx="8458199" cy="6629400"/>
+          </a:xfrm>
+          <a:prstGeom prst="rect">
+            <a:avLst/>
+          </a:prstGeom>
+          <a:noFill/>
+          <a:ln w="9525">
+            <a:noFill/>
+            <a:miter lim="800000"/>
+            <a:headEnd/>
+            <a:tailEnd/>
+          </a:ln>
+        </p:spPr>
+      </p:pic>
+    </p:spTree>
+  </p:cSld>
+  <p:clrMapOvr>
+    <a:masterClrMapping/>
+  </p:clrMapOvr>
+  <p:timing>
+    <p:tnLst>
+      <p:par>
+        <p:cTn id="1" dur="indefinite" restart="never" nodeType="tmRoot"/>
+      </p:par>
+    </p:tnLst>
+  </p:timing>
+</p:sld>
+</file>
+
+<file path=ppt/slides/slide28.xml><?xml version="1.0" encoding="utf-8"?>
+<p:sld xmlns:a="http://schemas.openxmlformats.org/drawingml/2006/main" xmlns:r="http://schemas.openxmlformats.org/officeDocument/2006/relationships" xmlns:p="http://schemas.openxmlformats.org/presentationml/2006/main">
+  <p:cSld>
+    <p:spTree>
+      <p:nvGrpSpPr>
+        <p:cNvPr id="1" name=""/>
+        <p:cNvGrpSpPr/>
+        <p:nvPr/>
+      </p:nvGrpSpPr>
+      <p:grpSpPr>
+        <a:xfrm>
+          <a:off x="0" y="0"/>
+          <a:ext cx="0" cy="0"/>
+          <a:chOff x="0" y="0"/>
+          <a:chExt cx="0" cy="0"/>
+        </a:xfrm>
+      </p:grpSpPr>
+      <p:pic>
+        <p:nvPicPr>
+          <p:cNvPr id="38914" name="Picture 2"/>
+          <p:cNvPicPr>
+            <a:picLocks noChangeAspect="1" noChangeArrowheads="1"/>
+          </p:cNvPicPr>
+          <p:nvPr/>
+        </p:nvPicPr>
+        <p:blipFill>
+          <a:blip r:embed="rId2" cstate="print"/>
+          <a:srcRect/>
+          <a:stretch>
+            <a:fillRect/>
+          </a:stretch>
+        </p:blipFill>
+        <p:spPr bwMode="auto">
+          <a:xfrm>
+            <a:off x="381000" y="228600"/>
+            <a:ext cx="8458200" cy="6477000"/>
+          </a:xfrm>
+          <a:prstGeom prst="rect">
+            <a:avLst/>
+          </a:prstGeom>
+          <a:noFill/>
+          <a:ln w="9525">
+            <a:noFill/>
+            <a:miter lim="800000"/>
+            <a:headEnd/>
+            <a:tailEnd/>
+          </a:ln>
+        </p:spPr>
+      </p:pic>
+      <p:pic>
+        <p:nvPicPr>
+          <p:cNvPr id="38915" name="Picture 3"/>
+          <p:cNvPicPr>
+            <a:picLocks noChangeAspect="1" noChangeArrowheads="1"/>
+          </p:cNvPicPr>
+          <p:nvPr/>
+        </p:nvPicPr>
+        <p:blipFill>
+          <a:blip r:embed="rId3" cstate="print"/>
+          <a:srcRect/>
+          <a:stretch>
+            <a:fillRect/>
+          </a:stretch>
+        </p:blipFill>
+        <p:spPr bwMode="auto">
+          <a:xfrm>
+            <a:off x="5181600" y="4114800"/>
+            <a:ext cx="3743325" cy="1190625"/>
+          </a:xfrm>
+          <a:prstGeom prst="rect">
+            <a:avLst/>
+          </a:prstGeom>
+          <a:noFill/>
+          <a:ln w="9525">
+            <a:noFill/>
+            <a:miter lim="800000"/>
+            <a:headEnd/>
+            <a:tailEnd/>
+          </a:ln>
+        </p:spPr>
+      </p:pic>
+    </p:spTree>
+  </p:cSld>
+  <p:clrMapOvr>
+    <a:masterClrMapping/>
+  </p:clrMapOvr>
+  <p:timing>
+    <p:tnLst>
+      <p:par>
+        <p:cTn id="1" dur="indefinite" restart="never" nodeType="tmRoot"/>
+      </p:par>
+    </p:tnLst>
+  </p:timing>
+</p:sld>
+</file>
+
+<file path=ppt/slides/slide29.xml><?xml version="1.0" encoding="utf-8"?>
+<p:sld xmlns:a="http://schemas.openxmlformats.org/drawingml/2006/main" xmlns:r="http://schemas.openxmlformats.org/officeDocument/2006/relationships" xmlns:p="http://schemas.openxmlformats.org/presentationml/2006/main">
+  <p:cSld>
+    <p:spTree>
+      <p:nvGrpSpPr>
+        <p:cNvPr id="1" name=""/>
+        <p:cNvGrpSpPr/>
+        <p:nvPr/>
+      </p:nvGrpSpPr>
+      <p:grpSpPr>
+        <a:xfrm>
+          <a:off x="0" y="0"/>
+          <a:ext cx="0" cy="0"/>
+          <a:chOff x="0" y="0"/>
+          <a:chExt cx="0" cy="0"/>
+        </a:xfrm>
+      </p:grpSpPr>
+      <p:sp>
+        <p:nvSpPr>
+          <p:cNvPr id="3" name="Content Placeholder 2"/>
+          <p:cNvSpPr>
+            <a:spLocks noGrp="1"/>
+          </p:cNvSpPr>
+          <p:nvPr>
+            <p:ph idx="1"/>
+          </p:nvPr>
+        </p:nvSpPr>
+        <p:spPr>
+          <a:xfrm>
+            <a:off x="457200" y="228601"/>
+            <a:ext cx="8229600" cy="762000"/>
+          </a:xfrm>
+        </p:spPr>
+        <p:txBody>
+          <a:bodyPr>
+            <a:normAutofit/>
+          </a:bodyPr>
+          <a:lstStyle/>
+          <a:p>
+            <a:r>
+              <a:rPr lang="en-US" sz="2000" dirty="0" smtClean="0"/>
+              <a:t>conditional </a:t>
+            </a:r>
+            <a:r>
+              <a:rPr lang="en-US" sz="2000" dirty="0" smtClean="0"/>
+              <a:t>probabilities:</a:t>
+            </a:r>
+          </a:p>
+          <a:p>
+            <a:pPr lvl="1"/>
+            <a:r>
+              <a:rPr lang="en-US" sz="1600" dirty="0" smtClean="0"/>
+              <a:t>the probability of an event ( </a:t>
+            </a:r>
+            <a:r>
+              <a:rPr lang="en-US" sz="1600" i="1" dirty="0" smtClean="0"/>
+              <a:t>A</a:t>
+            </a:r>
+            <a:r>
+              <a:rPr lang="en-US" sz="1600" dirty="0" smtClean="0"/>
+              <a:t> ), given that another ( </a:t>
+            </a:r>
+            <a:r>
+              <a:rPr lang="en-US" sz="1600" i="1" dirty="0" smtClean="0"/>
+              <a:t>B</a:t>
+            </a:r>
+            <a:r>
+              <a:rPr lang="en-US" sz="1600" dirty="0" smtClean="0"/>
+              <a:t> ) has already occurred.</a:t>
+            </a:r>
+            <a:endParaRPr lang="en-US" sz="1600" dirty="0"/>
+          </a:p>
+        </p:txBody>
+      </p:sp>
+      <p:pic>
+        <p:nvPicPr>
+          <p:cNvPr id="39938" name="Picture 2"/>
+          <p:cNvPicPr>
+            <a:picLocks noChangeAspect="1" noChangeArrowheads="1"/>
+          </p:cNvPicPr>
+          <p:nvPr/>
+        </p:nvPicPr>
+        <p:blipFill>
+          <a:blip r:embed="rId2" cstate="print"/>
+          <a:srcRect/>
+          <a:stretch>
+            <a:fillRect/>
+          </a:stretch>
+        </p:blipFill>
+        <p:spPr bwMode="auto">
+          <a:xfrm>
+            <a:off x="228600" y="1143000"/>
+            <a:ext cx="8610600" cy="5486400"/>
+          </a:xfrm>
+          <a:prstGeom prst="rect">
+            <a:avLst/>
+          </a:prstGeom>
+          <a:noFill/>
+          <a:ln w="9525">
+            <a:noFill/>
+            <a:miter lim="800000"/>
+            <a:headEnd/>
+            <a:tailEnd/>
+          </a:ln>
+        </p:spPr>
+      </p:pic>
+    </p:spTree>
+  </p:cSld>
+  <p:clrMapOvr>
+    <a:masterClrMapping/>
+  </p:clrMapOvr>
+  <p:timing>
+    <p:tnLst>
+      <p:par>
+        <p:cTn id="1" dur="indefinite" restart="never" nodeType="tmRoot"/>
+      </p:par>
+    </p:tnLst>
+  </p:timing>
 </p:sld>
 </file>
 
@@ -4572,6 +6412,774 @@
           </a:p>
         </p:txBody>
       </p:sp>
+    </p:spTree>
+  </p:cSld>
+  <p:clrMapOvr>
+    <a:masterClrMapping/>
+  </p:clrMapOvr>
+</p:sld>
+</file>
+
+<file path=ppt/slides/slide30.xml><?xml version="1.0" encoding="utf-8"?>
+<p:sld xmlns:a="http://schemas.openxmlformats.org/drawingml/2006/main" xmlns:r="http://schemas.openxmlformats.org/officeDocument/2006/relationships" xmlns:p="http://schemas.openxmlformats.org/presentationml/2006/main">
+  <p:cSld>
+    <p:spTree>
+      <p:nvGrpSpPr>
+        <p:cNvPr id="1" name=""/>
+        <p:cNvGrpSpPr/>
+        <p:nvPr/>
+      </p:nvGrpSpPr>
+      <p:grpSpPr>
+        <a:xfrm>
+          <a:off x="0" y="0"/>
+          <a:ext cx="0" cy="0"/>
+          <a:chOff x="0" y="0"/>
+          <a:chExt cx="0" cy="0"/>
+        </a:xfrm>
+      </p:grpSpPr>
+      <p:pic>
+        <p:nvPicPr>
+          <p:cNvPr id="40962" name="Picture 2"/>
+          <p:cNvPicPr>
+            <a:picLocks noChangeAspect="1" noChangeArrowheads="1"/>
+          </p:cNvPicPr>
+          <p:nvPr/>
+        </p:nvPicPr>
+        <p:blipFill>
+          <a:blip r:embed="rId2" cstate="print"/>
+          <a:srcRect/>
+          <a:stretch>
+            <a:fillRect/>
+          </a:stretch>
+        </p:blipFill>
+        <p:spPr bwMode="auto">
+          <a:xfrm>
+            <a:off x="609600" y="457200"/>
+            <a:ext cx="7924799" cy="5791199"/>
+          </a:xfrm>
+          <a:prstGeom prst="rect">
+            <a:avLst/>
+          </a:prstGeom>
+          <a:noFill/>
+          <a:ln w="9525">
+            <a:noFill/>
+            <a:miter lim="800000"/>
+            <a:headEnd/>
+            <a:tailEnd/>
+          </a:ln>
+        </p:spPr>
+      </p:pic>
+    </p:spTree>
+  </p:cSld>
+  <p:clrMapOvr>
+    <a:masterClrMapping/>
+  </p:clrMapOvr>
+  <p:timing>
+    <p:tnLst>
+      <p:par>
+        <p:cTn id="1" dur="indefinite" restart="never" nodeType="tmRoot"/>
+      </p:par>
+    </p:tnLst>
+  </p:timing>
+</p:sld>
+</file>
+
+<file path=ppt/slides/slide31.xml><?xml version="1.0" encoding="utf-8"?>
+<p:sld xmlns:a="http://schemas.openxmlformats.org/drawingml/2006/main" xmlns:r="http://schemas.openxmlformats.org/officeDocument/2006/relationships" xmlns:p="http://schemas.openxmlformats.org/presentationml/2006/main">
+  <p:cSld>
+    <p:spTree>
+      <p:nvGrpSpPr>
+        <p:cNvPr id="1" name=""/>
+        <p:cNvGrpSpPr/>
+        <p:nvPr/>
+      </p:nvGrpSpPr>
+      <p:grpSpPr>
+        <a:xfrm>
+          <a:off x="0" y="0"/>
+          <a:ext cx="0" cy="0"/>
+          <a:chOff x="0" y="0"/>
+          <a:chExt cx="0" cy="0"/>
+        </a:xfrm>
+      </p:grpSpPr>
+      <p:pic>
+        <p:nvPicPr>
+          <p:cNvPr id="41986" name="Picture 2"/>
+          <p:cNvPicPr>
+            <a:picLocks noChangeAspect="1" noChangeArrowheads="1"/>
+          </p:cNvPicPr>
+          <p:nvPr/>
+        </p:nvPicPr>
+        <p:blipFill>
+          <a:blip r:embed="rId2" cstate="print"/>
+          <a:srcRect/>
+          <a:stretch>
+            <a:fillRect/>
+          </a:stretch>
+        </p:blipFill>
+        <p:spPr bwMode="auto">
+          <a:xfrm>
+            <a:off x="457200" y="381000"/>
+            <a:ext cx="8153400" cy="6019800"/>
+          </a:xfrm>
+          <a:prstGeom prst="rect">
+            <a:avLst/>
+          </a:prstGeom>
+          <a:noFill/>
+          <a:ln w="9525">
+            <a:noFill/>
+            <a:miter lim="800000"/>
+            <a:headEnd/>
+            <a:tailEnd/>
+          </a:ln>
+        </p:spPr>
+      </p:pic>
+    </p:spTree>
+  </p:cSld>
+  <p:clrMapOvr>
+    <a:masterClrMapping/>
+  </p:clrMapOvr>
+  <p:timing>
+    <p:tnLst>
+      <p:par>
+        <p:cTn id="1" dur="indefinite" restart="never" nodeType="tmRoot"/>
+      </p:par>
+    </p:tnLst>
+  </p:timing>
+</p:sld>
+</file>
+
+<file path=ppt/slides/slide32.xml><?xml version="1.0" encoding="utf-8"?>
+<p:sld xmlns:a="http://schemas.openxmlformats.org/drawingml/2006/main" xmlns:r="http://schemas.openxmlformats.org/officeDocument/2006/relationships" xmlns:p="http://schemas.openxmlformats.org/presentationml/2006/main">
+  <p:cSld>
+    <p:spTree>
+      <p:nvGrpSpPr>
+        <p:cNvPr id="1" name=""/>
+        <p:cNvGrpSpPr/>
+        <p:nvPr/>
+      </p:nvGrpSpPr>
+      <p:grpSpPr>
+        <a:xfrm>
+          <a:off x="0" y="0"/>
+          <a:ext cx="0" cy="0"/>
+          <a:chOff x="0" y="0"/>
+          <a:chExt cx="0" cy="0"/>
+        </a:xfrm>
+      </p:grpSpPr>
+      <p:sp>
+        <p:nvSpPr>
+          <p:cNvPr id="2" name="Title 1"/>
+          <p:cNvSpPr>
+            <a:spLocks noGrp="1"/>
+          </p:cNvSpPr>
+          <p:nvPr>
+            <p:ph type="title"/>
+          </p:nvPr>
+        </p:nvSpPr>
+        <p:spPr/>
+        <p:txBody>
+          <a:bodyPr>
+            <a:normAutofit fontScale="90000"/>
+          </a:bodyPr>
+          <a:lstStyle/>
+          <a:p>
+            <a:r>
+              <a:rPr lang="en-US" dirty="0" smtClean="0"/>
+              <a:t>Python Implementation</a:t>
+            </a:r>
+            <a:br>
+              <a:rPr lang="en-US" dirty="0" smtClean="0"/>
+            </a:br>
+            <a:endParaRPr lang="en-US" dirty="0"/>
+          </a:p>
+        </p:txBody>
+      </p:sp>
+    </p:spTree>
+  </p:cSld>
+  <p:clrMapOvr>
+    <a:masterClrMapping/>
+  </p:clrMapOvr>
+  <p:timing>
+    <p:tnLst>
+      <p:par>
+        <p:cTn id="1" dur="indefinite" restart="never" nodeType="tmRoot"/>
+      </p:par>
+    </p:tnLst>
+  </p:timing>
+</p:sld>
+</file>
+
+<file path=ppt/slides/slide33.xml><?xml version="1.0" encoding="utf-8"?>
+<p:sld xmlns:a="http://schemas.openxmlformats.org/drawingml/2006/main" xmlns:r="http://schemas.openxmlformats.org/officeDocument/2006/relationships" xmlns:p="http://schemas.openxmlformats.org/presentationml/2006/main">
+  <p:cSld>
+    <p:spTree>
+      <p:nvGrpSpPr>
+        <p:cNvPr id="1" name=""/>
+        <p:cNvGrpSpPr/>
+        <p:nvPr/>
+      </p:nvGrpSpPr>
+      <p:grpSpPr>
+        <a:xfrm>
+          <a:off x="0" y="0"/>
+          <a:ext cx="0" cy="0"/>
+          <a:chOff x="0" y="0"/>
+          <a:chExt cx="0" cy="0"/>
+        </a:xfrm>
+      </p:grpSpPr>
+      <p:sp>
+        <p:nvSpPr>
+          <p:cNvPr id="2" name="Title 1"/>
+          <p:cNvSpPr>
+            <a:spLocks noGrp="1"/>
+          </p:cNvSpPr>
+          <p:nvPr>
+            <p:ph type="title"/>
+          </p:nvPr>
+        </p:nvSpPr>
+        <p:spPr>
+          <a:xfrm>
+            <a:off x="381000" y="0"/>
+            <a:ext cx="8229600" cy="1143000"/>
+          </a:xfrm>
+        </p:spPr>
+        <p:txBody>
+          <a:bodyPr>
+            <a:normAutofit/>
+          </a:bodyPr>
+          <a:lstStyle/>
+          <a:p>
+            <a:r>
+              <a:rPr lang="en-US" sz="3600" dirty="0" smtClean="0"/>
+              <a:t>K Nearest Neighbours</a:t>
+            </a:r>
+            <a:endParaRPr lang="en-US" sz="3600" dirty="0"/>
+          </a:p>
+        </p:txBody>
+      </p:sp>
+      <p:sp>
+        <p:nvSpPr>
+          <p:cNvPr id="3" name="Content Placeholder 2"/>
+          <p:cNvSpPr>
+            <a:spLocks noGrp="1"/>
+          </p:cNvSpPr>
+          <p:nvPr>
+            <p:ph idx="1"/>
+          </p:nvPr>
+        </p:nvSpPr>
+        <p:spPr>
+          <a:xfrm>
+            <a:off x="152400" y="914400"/>
+            <a:ext cx="8839200" cy="5715000"/>
+          </a:xfrm>
+        </p:spPr>
+        <p:txBody>
+          <a:bodyPr>
+            <a:normAutofit/>
+          </a:bodyPr>
+          <a:lstStyle/>
+          <a:p>
+            <a:r>
+              <a:rPr lang="en-US" sz="2400" dirty="0" smtClean="0"/>
+              <a:t>In </a:t>
+            </a:r>
+            <a:r>
+              <a:rPr lang="en-US" sz="2400" dirty="0" smtClean="0">
+                <a:hlinkClick r:id="rId2" tooltip="Pattern recognition"/>
+              </a:rPr>
+              <a:t>pattern recognition</a:t>
+            </a:r>
+            <a:r>
+              <a:rPr lang="en-US" sz="2400" dirty="0" smtClean="0"/>
+              <a:t>, the </a:t>
+            </a:r>
+            <a:r>
+              <a:rPr lang="en-US" sz="2400" b="1" i="1" dirty="0" smtClean="0"/>
+              <a:t>k</a:t>
+            </a:r>
+            <a:r>
+              <a:rPr lang="en-US" sz="2400" b="1" dirty="0" smtClean="0"/>
+              <a:t>-nearest neighbors algorithm</a:t>
+            </a:r>
+            <a:r>
+              <a:rPr lang="en-US" sz="2400" dirty="0" smtClean="0"/>
+              <a:t> (</a:t>
+            </a:r>
+            <a:r>
+              <a:rPr lang="en-US" sz="2400" b="1" i="1" dirty="0" smtClean="0"/>
+              <a:t>k</a:t>
+            </a:r>
+            <a:r>
+              <a:rPr lang="en-US" sz="2400" b="1" dirty="0" smtClean="0"/>
+              <a:t>-NN</a:t>
+            </a:r>
+            <a:r>
+              <a:rPr lang="en-US" sz="2400" dirty="0" smtClean="0"/>
+              <a:t>) is a </a:t>
+            </a:r>
+            <a:r>
+              <a:rPr lang="en-US" sz="2400" dirty="0" smtClean="0">
+                <a:hlinkClick r:id="rId3" tooltip="Non-parametric statistics"/>
+              </a:rPr>
+              <a:t>non-parametric</a:t>
+            </a:r>
+            <a:r>
+              <a:rPr lang="en-US" sz="2400" dirty="0" smtClean="0"/>
+              <a:t> method used for </a:t>
+            </a:r>
+            <a:r>
+              <a:rPr lang="en-US" sz="2400" dirty="0" smtClean="0">
+                <a:hlinkClick r:id="rId4" tooltip="Statistical classification"/>
+              </a:rPr>
+              <a:t>classification</a:t>
+            </a:r>
+            <a:r>
+              <a:rPr lang="en-US" sz="2400" dirty="0" smtClean="0"/>
+              <a:t> and </a:t>
+            </a:r>
+            <a:r>
+              <a:rPr lang="en-US" sz="2400" dirty="0" smtClean="0">
+                <a:hlinkClick r:id="rId5" tooltip="Regression analysis"/>
+              </a:rPr>
+              <a:t>regression</a:t>
+            </a:r>
+            <a:r>
+              <a:rPr lang="en-US" sz="2400" dirty="0" smtClean="0"/>
+              <a:t>.</a:t>
+            </a:r>
+          </a:p>
+          <a:p>
+            <a:pPr>
+              <a:buNone/>
+            </a:pPr>
+            <a:r>
+              <a:rPr lang="en-US" sz="2400" dirty="0" smtClean="0"/>
+              <a:t>	</a:t>
+            </a:r>
+            <a:r>
+              <a:rPr lang="en-US" sz="2400" dirty="0" smtClean="0"/>
+              <a:t>	In </a:t>
+            </a:r>
+            <a:r>
+              <a:rPr lang="en-US" sz="2400" dirty="0" smtClean="0"/>
+              <a:t>both cases, the input consists of the </a:t>
+            </a:r>
+            <a:r>
+              <a:rPr lang="en-US" sz="2400" i="1" dirty="0" smtClean="0"/>
+              <a:t>k</a:t>
+            </a:r>
+            <a:r>
+              <a:rPr lang="en-US" sz="2400" dirty="0" smtClean="0"/>
+              <a:t> closest training examples in the </a:t>
+            </a:r>
+            <a:r>
+              <a:rPr lang="en-US" sz="2400" dirty="0" smtClean="0">
+                <a:hlinkClick r:id="rId6" tooltip="Feature space"/>
+              </a:rPr>
+              <a:t>feature space</a:t>
+            </a:r>
+            <a:r>
+              <a:rPr lang="en-US" sz="2400" dirty="0" smtClean="0"/>
+              <a:t>. The output depends on whether </a:t>
+            </a:r>
+            <a:r>
+              <a:rPr lang="en-US" sz="2400" i="1" dirty="0" smtClean="0"/>
+              <a:t>k</a:t>
+            </a:r>
+            <a:r>
+              <a:rPr lang="en-US" sz="2400" dirty="0" smtClean="0"/>
+              <a:t>-NN is used for classification or regression:</a:t>
+            </a:r>
+          </a:p>
+          <a:p>
+            <a:r>
+              <a:rPr lang="en-US" sz="2400" dirty="0" smtClean="0"/>
+              <a:t>In </a:t>
+            </a:r>
+            <a:r>
+              <a:rPr lang="en-US" sz="2400" i="1" dirty="0" smtClean="0"/>
+              <a:t>k-NN classification</a:t>
+            </a:r>
+            <a:r>
+              <a:rPr lang="en-US" sz="2400" dirty="0" smtClean="0"/>
+              <a:t>, the output is a class membership. An object is classified by a plurality vote of its neighbors, with the object being assigned to the class most common among its </a:t>
+            </a:r>
+            <a:r>
+              <a:rPr lang="en-US" sz="2400" i="1" dirty="0" smtClean="0"/>
+              <a:t>k</a:t>
+            </a:r>
+            <a:r>
+              <a:rPr lang="en-US" sz="2400" dirty="0" smtClean="0"/>
+              <a:t> nearest neighbors (</a:t>
+            </a:r>
+            <a:r>
+              <a:rPr lang="en-US" sz="2400" i="1" dirty="0" smtClean="0"/>
+              <a:t>k</a:t>
+            </a:r>
+            <a:r>
+              <a:rPr lang="en-US" sz="2400" dirty="0" smtClean="0"/>
+              <a:t> is a positive </a:t>
+            </a:r>
+            <a:r>
+              <a:rPr lang="en-US" sz="2400" dirty="0" smtClean="0">
+                <a:hlinkClick r:id="rId7" tooltip="Integer"/>
+              </a:rPr>
+              <a:t>integer</a:t>
+            </a:r>
+            <a:r>
+              <a:rPr lang="en-US" sz="2400" dirty="0" smtClean="0"/>
+              <a:t>, typically small). If </a:t>
+            </a:r>
+            <a:r>
+              <a:rPr lang="en-US" sz="2400" i="1" dirty="0" smtClean="0"/>
+              <a:t>k</a:t>
+            </a:r>
+            <a:r>
+              <a:rPr lang="en-US" sz="2400" dirty="0" smtClean="0"/>
+              <a:t> = 1, then the object is simply assigned to the class of that single nearest neighbor.</a:t>
+            </a:r>
+          </a:p>
+          <a:p>
+            <a:r>
+              <a:rPr lang="en-US" sz="2400" dirty="0" smtClean="0"/>
+              <a:t>In </a:t>
+            </a:r>
+            <a:r>
+              <a:rPr lang="en-US" sz="2400" i="1" dirty="0" smtClean="0"/>
+              <a:t>k-NN regression</a:t>
+            </a:r>
+            <a:r>
+              <a:rPr lang="en-US" sz="2400" dirty="0" smtClean="0"/>
+              <a:t>, the output is the property value for the object. This value is the average of the values of its </a:t>
+            </a:r>
+            <a:r>
+              <a:rPr lang="en-US" sz="2400" i="1" dirty="0" smtClean="0"/>
+              <a:t>k</a:t>
+            </a:r>
+            <a:r>
+              <a:rPr lang="en-US" sz="2400" dirty="0" smtClean="0"/>
+              <a:t> nearest neighbors.</a:t>
+            </a:r>
+          </a:p>
+          <a:p>
+            <a:endParaRPr lang="en-US" dirty="0"/>
+          </a:p>
+        </p:txBody>
+      </p:sp>
+    </p:spTree>
+  </p:cSld>
+  <p:clrMapOvr>
+    <a:masterClrMapping/>
+  </p:clrMapOvr>
+</p:sld>
+</file>
+
+<file path=ppt/slides/slide34.xml><?xml version="1.0" encoding="utf-8"?>
+<p:sld xmlns:a="http://schemas.openxmlformats.org/drawingml/2006/main" xmlns:r="http://schemas.openxmlformats.org/officeDocument/2006/relationships" xmlns:p="http://schemas.openxmlformats.org/presentationml/2006/main">
+  <p:cSld>
+    <p:spTree>
+      <p:nvGrpSpPr>
+        <p:cNvPr id="1" name=""/>
+        <p:cNvGrpSpPr/>
+        <p:nvPr/>
+      </p:nvGrpSpPr>
+      <p:grpSpPr>
+        <a:xfrm>
+          <a:off x="0" y="0"/>
+          <a:ext cx="0" cy="0"/>
+          <a:chOff x="0" y="0"/>
+          <a:chExt cx="0" cy="0"/>
+        </a:xfrm>
+      </p:grpSpPr>
+      <p:sp>
+        <p:nvSpPr>
+          <p:cNvPr id="2" name="Title 1"/>
+          <p:cNvSpPr>
+            <a:spLocks noGrp="1"/>
+          </p:cNvSpPr>
+          <p:nvPr>
+            <p:ph type="title"/>
+          </p:nvPr>
+        </p:nvSpPr>
+        <p:spPr/>
+        <p:txBody>
+          <a:bodyPr>
+            <a:normAutofit fontScale="90000"/>
+          </a:bodyPr>
+          <a:lstStyle/>
+          <a:p>
+            <a:r>
+              <a:rPr lang="en-US" b="1" dirty="0" smtClean="0"/>
+              <a:t>How does the KNN algorithm work?</a:t>
+            </a:r>
+            <a:br>
+              <a:rPr lang="en-US" b="1" dirty="0" smtClean="0"/>
+            </a:br>
+            <a:endParaRPr lang="en-US" dirty="0"/>
+          </a:p>
+        </p:txBody>
+      </p:sp>
+      <p:pic>
+        <p:nvPicPr>
+          <p:cNvPr id="43010" name="Picture 2"/>
+          <p:cNvPicPr>
+            <a:picLocks noChangeAspect="1" noChangeArrowheads="1"/>
+          </p:cNvPicPr>
+          <p:nvPr/>
+        </p:nvPicPr>
+        <p:blipFill>
+          <a:blip r:embed="rId2" cstate="print"/>
+          <a:srcRect/>
+          <a:stretch>
+            <a:fillRect/>
+          </a:stretch>
+        </p:blipFill>
+        <p:spPr bwMode="auto">
+          <a:xfrm>
+            <a:off x="228600" y="1600200"/>
+            <a:ext cx="5257800" cy="3886200"/>
+          </a:xfrm>
+          <a:prstGeom prst="rect">
+            <a:avLst/>
+          </a:prstGeom>
+          <a:noFill/>
+          <a:ln w="9525">
+            <a:noFill/>
+            <a:miter lim="800000"/>
+            <a:headEnd/>
+            <a:tailEnd/>
+          </a:ln>
+        </p:spPr>
+      </p:pic>
+      <p:sp>
+        <p:nvSpPr>
+          <p:cNvPr id="5" name="TextBox 4"/>
+          <p:cNvSpPr txBox="1"/>
+          <p:nvPr/>
+        </p:nvSpPr>
+        <p:spPr>
+          <a:xfrm>
+            <a:off x="5867400" y="1828800"/>
+            <a:ext cx="1575624" cy="369332"/>
+          </a:xfrm>
+          <a:prstGeom prst="rect">
+            <a:avLst/>
+          </a:prstGeom>
+          <a:noFill/>
+        </p:spPr>
+        <p:txBody>
+          <a:bodyPr wrap="none" rtlCol="0">
+            <a:spAutoFit/>
+          </a:bodyPr>
+          <a:lstStyle/>
+          <a:p>
+            <a:r>
+              <a:rPr lang="en-US" dirty="0" smtClean="0"/>
+              <a:t>red circles (RC)</a:t>
+            </a:r>
+            <a:endParaRPr lang="en-US" dirty="0"/>
+          </a:p>
+        </p:txBody>
+      </p:sp>
+      <p:sp>
+        <p:nvSpPr>
+          <p:cNvPr id="6" name="TextBox 5"/>
+          <p:cNvSpPr txBox="1"/>
+          <p:nvPr/>
+        </p:nvSpPr>
+        <p:spPr>
+          <a:xfrm>
+            <a:off x="5867400" y="2286000"/>
+            <a:ext cx="1948354" cy="369332"/>
+          </a:xfrm>
+          <a:prstGeom prst="rect">
+            <a:avLst/>
+          </a:prstGeom>
+          <a:noFill/>
+        </p:spPr>
+        <p:txBody>
+          <a:bodyPr wrap="none" rtlCol="0">
+            <a:spAutoFit/>
+          </a:bodyPr>
+          <a:lstStyle/>
+          <a:p>
+            <a:r>
+              <a:rPr lang="en-US" dirty="0" smtClean="0"/>
+              <a:t>green squares (GS)</a:t>
+            </a:r>
+            <a:endParaRPr lang="en-US" dirty="0"/>
+          </a:p>
+        </p:txBody>
+      </p:sp>
+    </p:spTree>
+  </p:cSld>
+  <p:clrMapOvr>
+    <a:masterClrMapping/>
+  </p:clrMapOvr>
+</p:sld>
+</file>
+
+<file path=ppt/slides/slide35.xml><?xml version="1.0" encoding="utf-8"?>
+<p:sld xmlns:a="http://schemas.openxmlformats.org/drawingml/2006/main" xmlns:r="http://schemas.openxmlformats.org/officeDocument/2006/relationships" xmlns:p="http://schemas.openxmlformats.org/presentationml/2006/main">
+  <p:cSld>
+    <p:spTree>
+      <p:nvGrpSpPr>
+        <p:cNvPr id="1" name=""/>
+        <p:cNvGrpSpPr/>
+        <p:nvPr/>
+      </p:nvGrpSpPr>
+      <p:grpSpPr>
+        <a:xfrm>
+          <a:off x="0" y="0"/>
+          <a:ext cx="0" cy="0"/>
+          <a:chOff x="0" y="0"/>
+          <a:chExt cx="0" cy="0"/>
+        </a:xfrm>
+      </p:grpSpPr>
+      <p:sp>
+        <p:nvSpPr>
+          <p:cNvPr id="2" name="Title 1"/>
+          <p:cNvSpPr>
+            <a:spLocks noGrp="1"/>
+          </p:cNvSpPr>
+          <p:nvPr>
+            <p:ph type="title"/>
+          </p:nvPr>
+        </p:nvSpPr>
+        <p:spPr/>
+        <p:txBody>
+          <a:bodyPr>
+            <a:normAutofit/>
+          </a:bodyPr>
+          <a:lstStyle/>
+          <a:p>
+            <a:r>
+              <a:rPr lang="en-US" sz="2000" dirty="0" smtClean="0"/>
+              <a:t>The “K” </a:t>
+            </a:r>
+            <a:r>
+              <a:rPr lang="en-US" sz="2000" dirty="0" smtClean="0"/>
+              <a:t>in </a:t>
+            </a:r>
+            <a:r>
+              <a:rPr lang="en-US" sz="2000" dirty="0" smtClean="0"/>
+              <a:t>KNN algorithm </a:t>
+            </a:r>
+            <a:r>
+              <a:rPr lang="en-US" sz="2000" dirty="0" smtClean="0"/>
+              <a:t>is </a:t>
+            </a:r>
+            <a:r>
+              <a:rPr lang="en-US" sz="2000" dirty="0" smtClean="0"/>
+              <a:t>the nearest neighbors we wish to take vote from. Let’s say K = 3. Hence, we will now make a circle with </a:t>
+            </a:r>
+            <a:r>
+              <a:rPr lang="en-US" sz="2000" dirty="0" smtClean="0"/>
+              <a:t>BS(Blue Star) </a:t>
+            </a:r>
+            <a:r>
+              <a:rPr lang="en-US" sz="2000" dirty="0" smtClean="0"/>
+              <a:t>as center just as big as to enclose only three </a:t>
+            </a:r>
+            <a:r>
+              <a:rPr lang="en-US" sz="2000" dirty="0" smtClean="0"/>
+              <a:t>data points </a:t>
+            </a:r>
+            <a:r>
+              <a:rPr lang="en-US" sz="2000" dirty="0" smtClean="0"/>
+              <a:t>on the plane.</a:t>
+            </a:r>
+            <a:endParaRPr lang="en-US" sz="2000" dirty="0"/>
+          </a:p>
+        </p:txBody>
+      </p:sp>
+      <p:pic>
+        <p:nvPicPr>
+          <p:cNvPr id="44034" name="Picture 2"/>
+          <p:cNvPicPr>
+            <a:picLocks noChangeAspect="1" noChangeArrowheads="1"/>
+          </p:cNvPicPr>
+          <p:nvPr/>
+        </p:nvPicPr>
+        <p:blipFill>
+          <a:blip r:embed="rId2" cstate="print"/>
+          <a:srcRect/>
+          <a:stretch>
+            <a:fillRect/>
+          </a:stretch>
+        </p:blipFill>
+        <p:spPr bwMode="auto">
+          <a:xfrm>
+            <a:off x="1143000" y="2028824"/>
+            <a:ext cx="6858000" cy="4067175"/>
+          </a:xfrm>
+          <a:prstGeom prst="rect">
+            <a:avLst/>
+          </a:prstGeom>
+          <a:noFill/>
+          <a:ln w="9525">
+            <a:noFill/>
+            <a:miter lim="800000"/>
+            <a:headEnd/>
+            <a:tailEnd/>
+          </a:ln>
+        </p:spPr>
+      </p:pic>
+    </p:spTree>
+  </p:cSld>
+  <p:clrMapOvr>
+    <a:masterClrMapping/>
+  </p:clrMapOvr>
+</p:sld>
+</file>
+
+<file path=ppt/slides/slide36.xml><?xml version="1.0" encoding="utf-8"?>
+<p:sld xmlns:a="http://schemas.openxmlformats.org/drawingml/2006/main" xmlns:r="http://schemas.openxmlformats.org/officeDocument/2006/relationships" xmlns:p="http://schemas.openxmlformats.org/presentationml/2006/main">
+  <p:cSld>
+    <p:spTree>
+      <p:nvGrpSpPr>
+        <p:cNvPr id="1" name=""/>
+        <p:cNvGrpSpPr/>
+        <p:nvPr/>
+      </p:nvGrpSpPr>
+      <p:grpSpPr>
+        <a:xfrm>
+          <a:off x="0" y="0"/>
+          <a:ext cx="0" cy="0"/>
+          <a:chOff x="0" y="0"/>
+          <a:chExt cx="0" cy="0"/>
+        </a:xfrm>
+      </p:grpSpPr>
+      <p:pic>
+        <p:nvPicPr>
+          <p:cNvPr id="45058" name="Picture 2"/>
+          <p:cNvPicPr>
+            <a:picLocks noChangeAspect="1" noChangeArrowheads="1"/>
+          </p:cNvPicPr>
+          <p:nvPr/>
+        </p:nvPicPr>
+        <p:blipFill>
+          <a:blip r:embed="rId2" cstate="print"/>
+          <a:srcRect/>
+          <a:stretch>
+            <a:fillRect/>
+          </a:stretch>
+        </p:blipFill>
+        <p:spPr bwMode="auto">
+          <a:xfrm>
+            <a:off x="0" y="0"/>
+            <a:ext cx="8915400" cy="6858000"/>
+          </a:xfrm>
+          <a:prstGeom prst="rect">
+            <a:avLst/>
+          </a:prstGeom>
+          <a:noFill/>
+          <a:ln w="9525">
+            <a:noFill/>
+            <a:miter lim="800000"/>
+            <a:headEnd/>
+            <a:tailEnd/>
+          </a:ln>
+        </p:spPr>
+      </p:pic>
     </p:spTree>
   </p:cSld>
   <p:clrMapOvr>
@@ -5087,15 +7695,7 @@
           <a:p>
             <a:r>
               <a:rPr lang="en-US" dirty="0" smtClean="0"/>
-              <a:t>E</a:t>
-            </a:r>
-            <a:r>
-              <a:rPr lang="en-US" dirty="0" smtClean="0"/>
-              <a:t>stablishing </a:t>
-            </a:r>
-            <a:r>
-              <a:rPr lang="en-US" dirty="0" smtClean="0"/>
-              <a:t>a linear relationship between the input variables(X) and single output variable(Y)</a:t>
+              <a:t>Establishing a linear relationship between the input variables(X) and single output variable(Y)</a:t>
             </a:r>
             <a:endParaRPr lang="en-US" dirty="0"/>
           </a:p>
@@ -5962,4 +8562,287 @@
   <a:objectDefaults/>
   <a:extraClrSchemeLst/>
 </a:theme>
+</file>
+
+<file path=ppt/theme/theme2.xml><?xml version="1.0" encoding="utf-8"?>
+<a:theme xmlns:a="http://schemas.openxmlformats.org/drawingml/2006/main" name="Office Theme">
+  <a:themeElements>
+    <a:clrScheme name="Office">
+      <a:dk1>
+        <a:sysClr val="windowText" lastClr="000000"/>
+      </a:dk1>
+      <a:lt1>
+        <a:sysClr val="window" lastClr="FFFFFF"/>
+      </a:lt1>
+      <a:dk2>
+        <a:srgbClr val="1F497D"/>
+      </a:dk2>
+      <a:lt2>
+        <a:srgbClr val="EEECE1"/>
+      </a:lt2>
+      <a:accent1>
+        <a:srgbClr val="4F81BD"/>
+      </a:accent1>
+      <a:accent2>
+        <a:srgbClr val="C0504D"/>
+      </a:accent2>
+      <a:accent3>
+        <a:srgbClr val="9BBB59"/>
+      </a:accent3>
+      <a:accent4>
+        <a:srgbClr val="8064A2"/>
+      </a:accent4>
+      <a:accent5>
+        <a:srgbClr val="4BACC6"/>
+      </a:accent5>
+      <a:accent6>
+        <a:srgbClr val="F79646"/>
+      </a:accent6>
+      <a:hlink>
+        <a:srgbClr val="0000FF"/>
+      </a:hlink>
+      <a:folHlink>
+        <a:srgbClr val="800080"/>
+      </a:folHlink>
+    </a:clrScheme>
+    <a:fontScheme name="Office">
+      <a:majorFont>
+        <a:latin typeface="Calibri"/>
+        <a:ea typeface=""/>
+        <a:cs typeface=""/>
+        <a:font script="Jpan" typeface="ＭＳ Ｐゴシック"/>
+        <a:font script="Hang" typeface="맑은 고딕"/>
+        <a:font script="Hans" typeface="宋体"/>
+        <a:font script="Hant" typeface="新細明體"/>
+        <a:font script="Arab" typeface="Times New Roman"/>
+        <a:font script="Hebr" typeface="Times New Roman"/>
+        <a:font script="Thai" typeface="Angsana New"/>
+        <a:font script="Ethi" typeface="Nyala"/>
+        <a:font script="Beng" typeface="Vrinda"/>
+        <a:font script="Gujr" typeface="Shruti"/>
+        <a:font script="Khmr" typeface="MoolBoran"/>
+        <a:font script="Knda" typeface="Tunga"/>
+        <a:font script="Guru" typeface="Raavi"/>
+        <a:font script="Cans" typeface="Euphemia"/>
+        <a:font script="Cher" typeface="Plantagenet Cherokee"/>
+        <a:font script="Yiii" typeface="Microsoft Yi Baiti"/>
+        <a:font script="Tibt" typeface="Microsoft Himalaya"/>
+        <a:font script="Thaa" typeface="MV Boli"/>
+        <a:font script="Deva" typeface="Mangal"/>
+        <a:font script="Telu" typeface="Gautami"/>
+        <a:font script="Taml" typeface="Latha"/>
+        <a:font script="Syrc" typeface="Estrangelo Edessa"/>
+        <a:font script="Orya" typeface="Kalinga"/>
+        <a:font script="Mlym" typeface="Kartika"/>
+        <a:font script="Laoo" typeface="DokChampa"/>
+        <a:font script="Sinh" typeface="Iskoola Pota"/>
+        <a:font script="Mong" typeface="Mongolian Baiti"/>
+        <a:font script="Viet" typeface="Times New Roman"/>
+        <a:font script="Uigh" typeface="Microsoft Uighur"/>
+      </a:majorFont>
+      <a:minorFont>
+        <a:latin typeface="Calibri"/>
+        <a:ea typeface=""/>
+        <a:cs typeface=""/>
+        <a:font script="Jpan" typeface="ＭＳ Ｐゴシック"/>
+        <a:font script="Hang" typeface="맑은 고딕"/>
+        <a:font script="Hans" typeface="宋体"/>
+        <a:font script="Hant" typeface="新細明體"/>
+        <a:font script="Arab" typeface="Arial"/>
+        <a:font script="Hebr" typeface="Arial"/>
+        <a:font script="Thai" typeface="Cordia New"/>
+        <a:font script="Ethi" typeface="Nyala"/>
+        <a:font script="Beng" typeface="Vrinda"/>
+        <a:font script="Gujr" typeface="Shruti"/>
+        <a:font script="Khmr" typeface="DaunPenh"/>
+        <a:font script="Knda" typeface="Tunga"/>
+        <a:font script="Guru" typeface="Raavi"/>
+        <a:font script="Cans" typeface="Euphemia"/>
+        <a:font script="Cher" typeface="Plantagenet Cherokee"/>
+        <a:font script="Yiii" typeface="Microsoft Yi Baiti"/>
+        <a:font script="Tibt" typeface="Microsoft Himalaya"/>
+        <a:font script="Thaa" typeface="MV Boli"/>
+        <a:font script="Deva" typeface="Mangal"/>
+        <a:font script="Telu" typeface="Gautami"/>
+        <a:font script="Taml" typeface="Latha"/>
+        <a:font script="Syrc" typeface="Estrangelo Edessa"/>
+        <a:font script="Orya" typeface="Kalinga"/>
+        <a:font script="Mlym" typeface="Kartika"/>
+        <a:font script="Laoo" typeface="DokChampa"/>
+        <a:font script="Sinh" typeface="Iskoola Pota"/>
+        <a:font script="Mong" typeface="Mongolian Baiti"/>
+        <a:font script="Viet" typeface="Arial"/>
+        <a:font script="Uigh" typeface="Microsoft Uighur"/>
+      </a:minorFont>
+    </a:fontScheme>
+    <a:fmtScheme name="Office">
+      <a:fillStyleLst>
+        <a:solidFill>
+          <a:schemeClr val="phClr"/>
+        </a:solidFill>
+        <a:gradFill rotWithShape="1">
+          <a:gsLst>
+            <a:gs pos="0">
+              <a:schemeClr val="phClr">
+                <a:tint val="50000"/>
+                <a:satMod val="300000"/>
+              </a:schemeClr>
+            </a:gs>
+            <a:gs pos="35000">
+              <a:schemeClr val="phClr">
+                <a:tint val="37000"/>
+                <a:satMod val="300000"/>
+              </a:schemeClr>
+            </a:gs>
+            <a:gs pos="100000">
+              <a:schemeClr val="phClr">
+                <a:tint val="15000"/>
+                <a:satMod val="350000"/>
+              </a:schemeClr>
+            </a:gs>
+          </a:gsLst>
+          <a:lin ang="16200000" scaled="1"/>
+        </a:gradFill>
+        <a:gradFill rotWithShape="1">
+          <a:gsLst>
+            <a:gs pos="0">
+              <a:schemeClr val="phClr">
+                <a:shade val="51000"/>
+                <a:satMod val="130000"/>
+              </a:schemeClr>
+            </a:gs>
+            <a:gs pos="80000">
+              <a:schemeClr val="phClr">
+                <a:shade val="93000"/>
+                <a:satMod val="130000"/>
+              </a:schemeClr>
+            </a:gs>
+            <a:gs pos="100000">
+              <a:schemeClr val="phClr">
+                <a:shade val="94000"/>
+                <a:satMod val="135000"/>
+              </a:schemeClr>
+            </a:gs>
+          </a:gsLst>
+          <a:lin ang="16200000" scaled="0"/>
+        </a:gradFill>
+      </a:fillStyleLst>
+      <a:lnStyleLst>
+        <a:ln w="9525" cap="flat" cmpd="sng" algn="ctr">
+          <a:solidFill>
+            <a:schemeClr val="phClr">
+              <a:shade val="95000"/>
+              <a:satMod val="105000"/>
+            </a:schemeClr>
+          </a:solidFill>
+          <a:prstDash val="solid"/>
+        </a:ln>
+        <a:ln w="25400" cap="flat" cmpd="sng" algn="ctr">
+          <a:solidFill>
+            <a:schemeClr val="phClr"/>
+          </a:solidFill>
+          <a:prstDash val="solid"/>
+        </a:ln>
+        <a:ln w="38100" cap="flat" cmpd="sng" algn="ctr">
+          <a:solidFill>
+            <a:schemeClr val="phClr"/>
+          </a:solidFill>
+          <a:prstDash val="solid"/>
+        </a:ln>
+      </a:lnStyleLst>
+      <a:effectStyleLst>
+        <a:effectStyle>
+          <a:effectLst>
+            <a:outerShdw blurRad="40000" dist="20000" dir="5400000" rotWithShape="0">
+              <a:srgbClr val="000000">
+                <a:alpha val="38000"/>
+              </a:srgbClr>
+            </a:outerShdw>
+          </a:effectLst>
+        </a:effectStyle>
+        <a:effectStyle>
+          <a:effectLst>
+            <a:outerShdw blurRad="40000" dist="23000" dir="5400000" rotWithShape="0">
+              <a:srgbClr val="000000">
+                <a:alpha val="35000"/>
+              </a:srgbClr>
+            </a:outerShdw>
+          </a:effectLst>
+        </a:effectStyle>
+        <a:effectStyle>
+          <a:effectLst>
+            <a:outerShdw blurRad="40000" dist="23000" dir="5400000" rotWithShape="0">
+              <a:srgbClr val="000000">
+                <a:alpha val="35000"/>
+              </a:srgbClr>
+            </a:outerShdw>
+          </a:effectLst>
+          <a:scene3d>
+            <a:camera prst="orthographicFront">
+              <a:rot lat="0" lon="0" rev="0"/>
+            </a:camera>
+            <a:lightRig rig="threePt" dir="t">
+              <a:rot lat="0" lon="0" rev="1200000"/>
+            </a:lightRig>
+          </a:scene3d>
+          <a:sp3d>
+            <a:bevelT w="63500" h="25400"/>
+          </a:sp3d>
+        </a:effectStyle>
+      </a:effectStyleLst>
+      <a:bgFillStyleLst>
+        <a:solidFill>
+          <a:schemeClr val="phClr"/>
+        </a:solidFill>
+        <a:gradFill rotWithShape="1">
+          <a:gsLst>
+            <a:gs pos="0">
+              <a:schemeClr val="phClr">
+                <a:tint val="40000"/>
+                <a:satMod val="350000"/>
+              </a:schemeClr>
+            </a:gs>
+            <a:gs pos="40000">
+              <a:schemeClr val="phClr">
+                <a:tint val="45000"/>
+                <a:shade val="99000"/>
+                <a:satMod val="350000"/>
+              </a:schemeClr>
+            </a:gs>
+            <a:gs pos="100000">
+              <a:schemeClr val="phClr">
+                <a:shade val="20000"/>
+                <a:satMod val="255000"/>
+              </a:schemeClr>
+            </a:gs>
+          </a:gsLst>
+          <a:path path="circle">
+            <a:fillToRect l="50000" t="-80000" r="50000" b="180000"/>
+          </a:path>
+        </a:gradFill>
+        <a:gradFill rotWithShape="1">
+          <a:gsLst>
+            <a:gs pos="0">
+              <a:schemeClr val="phClr">
+                <a:tint val="80000"/>
+                <a:satMod val="300000"/>
+              </a:schemeClr>
+            </a:gs>
+            <a:gs pos="100000">
+              <a:schemeClr val="phClr">
+                <a:shade val="30000"/>
+                <a:satMod val="200000"/>
+              </a:schemeClr>
+            </a:gs>
+          </a:gsLst>
+          <a:path path="circle">
+            <a:fillToRect l="50000" t="50000" r="50000" b="50000"/>
+          </a:path>
+        </a:gradFill>
+      </a:bgFillStyleLst>
+    </a:fmtScheme>
+  </a:themeElements>
+  <a:objectDefaults/>
+  <a:extraClrSchemeLst/>
+</a:theme>
 </file>